--- a/ProgressSlide/FinalPresentation.pptx
+++ b/ProgressSlide/FinalPresentation.pptx
@@ -5,15 +5,21 @@
     <p:sldMasterId id="2147483648" r:id="rId1"/>
   </p:sldMasterIdLst>
   <p:notesMasterIdLst>
-    <p:notesMasterId r:id="rId8"/>
+    <p:notesMasterId r:id="rId14"/>
   </p:notesMasterIdLst>
   <p:sldIdLst>
-    <p:sldId id="257" r:id="rId2"/>
-    <p:sldId id="390" r:id="rId3"/>
-    <p:sldId id="391" r:id="rId4"/>
-    <p:sldId id="394" r:id="rId5"/>
-    <p:sldId id="393" r:id="rId6"/>
-    <p:sldId id="395" r:id="rId7"/>
+    <p:sldId id="398" r:id="rId2"/>
+    <p:sldId id="391" r:id="rId3"/>
+    <p:sldId id="394" r:id="rId4"/>
+    <p:sldId id="396" r:id="rId5"/>
+    <p:sldId id="397" r:id="rId6"/>
+    <p:sldId id="399" r:id="rId7"/>
+    <p:sldId id="400" r:id="rId8"/>
+    <p:sldId id="401" r:id="rId9"/>
+    <p:sldId id="402" r:id="rId10"/>
+    <p:sldId id="403" r:id="rId11"/>
+    <p:sldId id="404" r:id="rId12"/>
+    <p:sldId id="405" r:id="rId13"/>
   </p:sldIdLst>
   <p:sldSz cx="12192000" cy="6858000"/>
   <p:notesSz cx="6858000" cy="9144000"/>
@@ -202,7 +208,7 @@
           <a:p>
             <a:fld id="{5C0BF2BE-233B-3C44-A7D6-D4CDB0E32046}" type="datetimeFigureOut">
               <a:rPr kumimoji="1" lang="ja-JP" altLang="en-US" smtClean="0"/>
-              <a:t>2025/6/18</a:t>
+              <a:t>2025/6/24</a:t>
             </a:fld>
             <a:endParaRPr kumimoji="1" lang="ja-JP" altLang="en-US"/>
           </a:p>
@@ -501,93 +507,6 @@
 </p:notesMaster>
 </file>
 
-<file path=ppt/notesSlides/notesSlide1.xml><?xml version="1.0" encoding="utf-8"?>
-<p:notes xmlns:a="http://schemas.openxmlformats.org/drawingml/2006/main" xmlns:r="http://schemas.openxmlformats.org/officeDocument/2006/relationships" xmlns:p="http://schemas.openxmlformats.org/presentationml/2006/main">
-  <p:cSld>
-    <p:spTree>
-      <p:nvGrpSpPr>
-        <p:cNvPr id="1" name=""/>
-        <p:cNvGrpSpPr/>
-        <p:nvPr/>
-      </p:nvGrpSpPr>
-      <p:grpSpPr>
-        <a:xfrm>
-          <a:off x="0" y="0"/>
-          <a:ext cx="0" cy="0"/>
-          <a:chOff x="0" y="0"/>
-          <a:chExt cx="0" cy="0"/>
-        </a:xfrm>
-      </p:grpSpPr>
-      <p:sp>
-        <p:nvSpPr>
-          <p:cNvPr id="2" name="スライド イメージ プレースホルダ 1"/>
-          <p:cNvSpPr>
-            <a:spLocks noGrp="1" noRot="1" noChangeAspect="1"/>
-          </p:cNvSpPr>
-          <p:nvPr>
-            <p:ph type="sldImg"/>
-          </p:nvPr>
-        </p:nvSpPr>
-        <p:spPr/>
-      </p:sp>
-      <p:sp>
-        <p:nvSpPr>
-          <p:cNvPr id="3" name="ノート プレースホルダ 2"/>
-          <p:cNvSpPr>
-            <a:spLocks noGrp="1"/>
-          </p:cNvSpPr>
-          <p:nvPr>
-            <p:ph type="body" idx="1"/>
-          </p:nvPr>
-        </p:nvSpPr>
-        <p:spPr/>
-        <p:txBody>
-          <a:bodyPr>
-            <a:normAutofit/>
-          </a:bodyPr>
-          <a:lstStyle/>
-          <a:p>
-            <a:endParaRPr kumimoji="1" lang="ja-JP" altLang="en-US" dirty="0"/>
-          </a:p>
-        </p:txBody>
-      </p:sp>
-      <p:sp>
-        <p:nvSpPr>
-          <p:cNvPr id="4" name="スライド番号プレースホルダ 3"/>
-          <p:cNvSpPr>
-            <a:spLocks noGrp="1"/>
-          </p:cNvSpPr>
-          <p:nvPr>
-            <p:ph type="sldNum" sz="quarter" idx="10"/>
-          </p:nvPr>
-        </p:nvSpPr>
-        <p:spPr/>
-        <p:txBody>
-          <a:bodyPr/>
-          <a:lstStyle/>
-          <a:p>
-            <a:fld id="{14592255-705D-4353-9083-E4884A168FCF}" type="slidenum">
-              <a:rPr kumimoji="1" lang="ja-JP" altLang="en-US" smtClean="0"/>
-              <a:pPr/>
-              <a:t>1</a:t>
-            </a:fld>
-            <a:endParaRPr kumimoji="1" lang="ja-JP" altLang="en-US"/>
-          </a:p>
-        </p:txBody>
-      </p:sp>
-    </p:spTree>
-    <p:extLst>
-      <p:ext uri="{BB962C8B-B14F-4D97-AF65-F5344CB8AC3E}">
-        <p14:creationId xmlns:p14="http://schemas.microsoft.com/office/powerpoint/2010/main" val="1201275439"/>
-      </p:ext>
-    </p:extLst>
-  </p:cSld>
-  <p:clrMapOvr>
-    <a:masterClrMapping/>
-  </p:clrMapOvr>
-</p:notes>
-</file>
-
 <file path=ppt/slideLayouts/slideLayout1.xml><?xml version="1.0" encoding="utf-8"?>
 <p:sldLayout xmlns:a="http://schemas.openxmlformats.org/drawingml/2006/main" xmlns:r="http://schemas.openxmlformats.org/officeDocument/2006/relationships" xmlns:p="http://schemas.openxmlformats.org/presentationml/2006/main" type="title" preserve="1">
   <p:cSld name="タイトル スライド">
@@ -735,7 +654,7 @@
           <a:p>
             <a:fld id="{37D56C22-2FAF-DB47-BE44-7410A9D58B57}" type="datetimeFigureOut">
               <a:rPr kumimoji="1" lang="ja-JP" altLang="en-US" smtClean="0"/>
-              <a:t>2025/6/18</a:t>
+              <a:t>2025/6/24</a:t>
             </a:fld>
             <a:endParaRPr kumimoji="1" lang="ja-JP" altLang="en-US"/>
           </a:p>
@@ -965,7 +884,7 @@
           <a:p>
             <a:fld id="{37D56C22-2FAF-DB47-BE44-7410A9D58B57}" type="datetimeFigureOut">
               <a:rPr kumimoji="1" lang="ja-JP" altLang="en-US" smtClean="0"/>
-              <a:t>2025/6/18</a:t>
+              <a:t>2025/6/24</a:t>
             </a:fld>
             <a:endParaRPr kumimoji="1" lang="ja-JP" altLang="en-US"/>
           </a:p>
@@ -1205,7 +1124,7 @@
           <a:p>
             <a:fld id="{37D56C22-2FAF-DB47-BE44-7410A9D58B57}" type="datetimeFigureOut">
               <a:rPr kumimoji="1" lang="ja-JP" altLang="en-US" smtClean="0"/>
-              <a:t>2025/6/18</a:t>
+              <a:t>2025/6/24</a:t>
             </a:fld>
             <a:endParaRPr kumimoji="1" lang="ja-JP" altLang="en-US"/>
           </a:p>
@@ -1351,7 +1270,7 @@
             <a:fld id="{E5A93880-F149-4AF3-B592-103175E94EE4}" type="datetime1">
               <a:rPr kumimoji="1" lang="ja-JP" altLang="en-US" smtClean="0"/>
               <a:pPr/>
-              <a:t>2025/6/18</a:t>
+              <a:t>2025/6/24</a:t>
             </a:fld>
             <a:endParaRPr kumimoji="1" lang="ja-JP" altLang="en-US" dirty="0"/>
           </a:p>
@@ -1709,7 +1628,7 @@
           <a:p>
             <a:fld id="{37D56C22-2FAF-DB47-BE44-7410A9D58B57}" type="datetimeFigureOut">
               <a:rPr kumimoji="1" lang="ja-JP" altLang="en-US" smtClean="0"/>
-              <a:t>2025/6/18</a:t>
+              <a:t>2025/6/24</a:t>
             </a:fld>
             <a:endParaRPr kumimoji="1" lang="ja-JP" altLang="en-US"/>
           </a:p>
@@ -1984,7 +1903,7 @@
           <a:p>
             <a:fld id="{37D56C22-2FAF-DB47-BE44-7410A9D58B57}" type="datetimeFigureOut">
               <a:rPr kumimoji="1" lang="ja-JP" altLang="en-US" smtClean="0"/>
-              <a:t>2025/6/18</a:t>
+              <a:t>2025/6/24</a:t>
             </a:fld>
             <a:endParaRPr kumimoji="1" lang="ja-JP" altLang="en-US"/>
           </a:p>
@@ -2313,7 +2232,7 @@
           <a:p>
             <a:fld id="{37D56C22-2FAF-DB47-BE44-7410A9D58B57}" type="datetimeFigureOut">
               <a:rPr kumimoji="1" lang="ja-JP" altLang="en-US" smtClean="0"/>
-              <a:t>2025/6/18</a:t>
+              <a:t>2025/6/24</a:t>
             </a:fld>
             <a:endParaRPr kumimoji="1" lang="ja-JP" altLang="en-US"/>
           </a:p>
@@ -2789,7 +2708,7 @@
           <a:p>
             <a:fld id="{37D56C22-2FAF-DB47-BE44-7410A9D58B57}" type="datetimeFigureOut">
               <a:rPr kumimoji="1" lang="ja-JP" altLang="en-US" smtClean="0"/>
-              <a:t>2025/6/18</a:t>
+              <a:t>2025/6/24</a:t>
             </a:fld>
             <a:endParaRPr kumimoji="1" lang="ja-JP" altLang="en-US"/>
           </a:p>
@@ -2930,7 +2849,7 @@
           <a:p>
             <a:fld id="{37D56C22-2FAF-DB47-BE44-7410A9D58B57}" type="datetimeFigureOut">
               <a:rPr kumimoji="1" lang="ja-JP" altLang="en-US" smtClean="0"/>
-              <a:t>2025/6/18</a:t>
+              <a:t>2025/6/24</a:t>
             </a:fld>
             <a:endParaRPr kumimoji="1" lang="ja-JP" altLang="en-US"/>
           </a:p>
@@ -3043,7 +2962,7 @@
           <a:p>
             <a:fld id="{37D56C22-2FAF-DB47-BE44-7410A9D58B57}" type="datetimeFigureOut">
               <a:rPr kumimoji="1" lang="ja-JP" altLang="en-US" smtClean="0"/>
-              <a:t>2025/6/18</a:t>
+              <a:t>2025/6/24</a:t>
             </a:fld>
             <a:endParaRPr kumimoji="1" lang="ja-JP" altLang="en-US"/>
           </a:p>
@@ -3386,7 +3305,7 @@
           <a:p>
             <a:fld id="{37D56C22-2FAF-DB47-BE44-7410A9D58B57}" type="datetimeFigureOut">
               <a:rPr kumimoji="1" lang="ja-JP" altLang="en-US" smtClean="0"/>
-              <a:t>2025/6/18</a:t>
+              <a:t>2025/6/24</a:t>
             </a:fld>
             <a:endParaRPr kumimoji="1" lang="ja-JP" altLang="en-US"/>
           </a:p>
@@ -3674,7 +3593,7 @@
           <a:p>
             <a:fld id="{37D56C22-2FAF-DB47-BE44-7410A9D58B57}" type="datetimeFigureOut">
               <a:rPr kumimoji="1" lang="ja-JP" altLang="en-US" smtClean="0"/>
-              <a:t>2025/6/18</a:t>
+              <a:t>2025/6/24</a:t>
             </a:fld>
             <a:endParaRPr kumimoji="1" lang="ja-JP" altLang="en-US"/>
           </a:p>
@@ -3947,7 +3866,7 @@
           <a:p>
             <a:fld id="{37D56C22-2FAF-DB47-BE44-7410A9D58B57}" type="datetimeFigureOut">
               <a:rPr kumimoji="1" lang="ja-JP" altLang="en-US" smtClean="0"/>
-              <a:t>2025/6/18</a:t>
+              <a:t>2025/6/24</a:t>
             </a:fld>
             <a:endParaRPr kumimoji="1" lang="ja-JP" altLang="en-US"/>
           </a:p>
@@ -4367,7 +4286,43 @@
       </p:grpSpPr>
       <p:sp>
         <p:nvSpPr>
-          <p:cNvPr id="10" name="サブタイトル 2"/>
+          <p:cNvPr id="3" name="Slide Number Placeholder 2">
+            <a:extLst>
+              <a:ext uri="{FF2B5EF4-FFF2-40B4-BE49-F238E27FC236}">
+                <a16:creationId xmlns:a16="http://schemas.microsoft.com/office/drawing/2014/main" id="{9BA0335C-459F-B27D-0754-A938B6B16943}"/>
+              </a:ext>
+            </a:extLst>
+          </p:cNvPr>
+          <p:cNvSpPr>
+            <a:spLocks noGrp="1"/>
+          </p:cNvSpPr>
+          <p:nvPr>
+            <p:ph type="sldNum" sz="quarter" idx="12"/>
+          </p:nvPr>
+        </p:nvSpPr>
+        <p:spPr/>
+        <p:txBody>
+          <a:bodyPr/>
+          <a:lstStyle/>
+          <a:p>
+            <a:fld id="{1E188E5C-A572-468D-8598-CE214D70D8BB}" type="slidenum">
+              <a:rPr kumimoji="1" lang="ja-JP" altLang="en-US" smtClean="0"/>
+              <a:pPr/>
+              <a:t>1</a:t>
+            </a:fld>
+            <a:endParaRPr kumimoji="1" lang="ja-JP" altLang="en-US" dirty="0"/>
+          </a:p>
+        </p:txBody>
+      </p:sp>
+      <p:sp>
+        <p:nvSpPr>
+          <p:cNvPr id="4" name="サブタイトル 2">
+            <a:extLst>
+              <a:ext uri="{FF2B5EF4-FFF2-40B4-BE49-F238E27FC236}">
+                <a16:creationId xmlns:a16="http://schemas.microsoft.com/office/drawing/2014/main" id="{F4BCF495-F46B-04C6-1D5D-6490CEF95C55}"/>
+              </a:ext>
+            </a:extLst>
+          </p:cNvPr>
           <p:cNvSpPr txBox="1">
             <a:spLocks/>
           </p:cNvSpPr>
@@ -4375,8 +4330,8 @@
         </p:nvSpPr>
         <p:spPr bwMode="auto">
           <a:xfrm>
-            <a:off x="4151785" y="3789040"/>
-            <a:ext cx="6336829" cy="2459078"/>
+            <a:off x="1108224" y="1978436"/>
+            <a:ext cx="9975551" cy="1361417"/>
           </a:xfrm>
           <a:prstGeom prst="rect">
             <a:avLst/>
@@ -4393,19 +4348,103 @@
           <a:bodyPr/>
           <a:lstStyle/>
           <a:p>
-            <a:pPr algn="r">
+            <a:pPr algn="ctr">
               <a:spcBef>
                 <a:spcPct val="20000"/>
               </a:spcBef>
             </a:pPr>
-            <a:endParaRPr lang="en-US" altLang="ja-JP" sz="2600" b="1" dirty="0">
+            <a:r>
+              <a:rPr lang="en-US" sz="4000" b="1" i="1" dirty="0">
+                <a:latin typeface="+mj-lt"/>
+                <a:cs typeface="Times New Roman" panose="02020603050405020304" pitchFamily="18" charset="0"/>
+              </a:rPr>
+              <a:t>Wind</a:t>
+            </a:r>
+            <a:r>
+              <a:rPr lang="en-US" sz="4000" b="1" dirty="0">
+                <a:latin typeface="+mj-lt"/>
+                <a:cs typeface="Times New Roman" panose="02020603050405020304" pitchFamily="18" charset="0"/>
+              </a:rPr>
+              <a:t> &amp; </a:t>
+            </a:r>
+            <a:r>
+              <a:rPr lang="en-US" sz="4000" b="1" i="1" dirty="0">
+                <a:latin typeface="+mj-lt"/>
+                <a:cs typeface="Times New Roman" panose="02020603050405020304" pitchFamily="18" charset="0"/>
+              </a:rPr>
+              <a:t>Weather</a:t>
+            </a:r>
+            <a:r>
+              <a:rPr lang="en-US" sz="4000" b="1" dirty="0">
+                <a:latin typeface="+mj-lt"/>
+                <a:cs typeface="Times New Roman" panose="02020603050405020304" pitchFamily="18" charset="0"/>
+              </a:rPr>
+              <a:t> </a:t>
+            </a:r>
+            <a:r>
+              <a:rPr lang="en-US" sz="4000" b="1" i="1" dirty="0">
+                <a:latin typeface="+mj-lt"/>
+                <a:cs typeface="Times New Roman" panose="02020603050405020304" pitchFamily="18" charset="0"/>
+              </a:rPr>
+              <a:t>Avoidance</a:t>
+            </a:r>
+            <a:r>
+              <a:rPr lang="en-US" sz="4000" b="1" dirty="0">
+                <a:latin typeface="+mj-lt"/>
+                <a:cs typeface="Times New Roman" panose="02020603050405020304" pitchFamily="18" charset="0"/>
+              </a:rPr>
+              <a:t> </a:t>
+            </a:r>
+            <a:r>
+              <a:rPr lang="en-US" sz="4000" b="1" i="1" dirty="0">
+                <a:latin typeface="+mj-lt"/>
+                <a:cs typeface="Times New Roman" panose="02020603050405020304" pitchFamily="18" charset="0"/>
+              </a:rPr>
+              <a:t>Analysis</a:t>
+            </a:r>
+            <a:r>
+              <a:rPr lang="en-US" sz="4000" b="1" dirty="0">
+                <a:latin typeface="+mj-lt"/>
+                <a:cs typeface="Times New Roman" panose="02020603050405020304" pitchFamily="18" charset="0"/>
+              </a:rPr>
+              <a:t> at </a:t>
+            </a:r>
+            <a:r>
+              <a:rPr lang="en-US" sz="4000" b="1" i="1" dirty="0">
+                <a:latin typeface="+mj-lt"/>
+                <a:cs typeface="Times New Roman" panose="02020603050405020304" pitchFamily="18" charset="0"/>
+              </a:rPr>
+              <a:t>Bangkok</a:t>
+            </a:r>
+            <a:r>
+              <a:rPr lang="en-US" sz="4000" b="1" dirty="0">
+                <a:latin typeface="+mj-lt"/>
+                <a:cs typeface="Times New Roman" panose="02020603050405020304" pitchFamily="18" charset="0"/>
+              </a:rPr>
+              <a:t> </a:t>
+            </a:r>
+            <a:r>
+              <a:rPr lang="en-US" sz="4000" b="1" i="1" dirty="0">
+                <a:latin typeface="+mj-lt"/>
+                <a:cs typeface="Times New Roman" panose="02020603050405020304" pitchFamily="18" charset="0"/>
+              </a:rPr>
+              <a:t>Airport</a:t>
+            </a:r>
+            <a:r>
+              <a:rPr lang="en-US" sz="4000" b="1" dirty="0">
+                <a:latin typeface="+mj-lt"/>
+                <a:cs typeface="Times New Roman" panose="02020603050405020304" pitchFamily="18" charset="0"/>
+              </a:rPr>
+              <a:t> (VTBS) </a:t>
+            </a:r>
+            <a:endParaRPr lang="en-US" altLang="ja-JP" sz="4000" b="1" dirty="0">
               <a:solidFill>
                 <a:schemeClr val="tx1">
                   <a:lumMod val="85000"/>
                   <a:lumOff val="15000"/>
                 </a:schemeClr>
               </a:solidFill>
-              <a:latin typeface="Times New Roman" pitchFamily="18" charset="0"/>
+              <a:latin typeface="+mj-lt"/>
               <a:ea typeface="IPA Pゴシック"/>
               <a:cs typeface="Times New Roman" pitchFamily="18" charset="0"/>
             </a:endParaRPr>
@@ -4414,13 +4453,19 @@
       </p:sp>
       <p:sp>
         <p:nvSpPr>
-          <p:cNvPr id="5" name="正方形/長方形 4"/>
+          <p:cNvPr id="5" name="正方形/長方形 4">
+            <a:extLst>
+              <a:ext uri="{FF2B5EF4-FFF2-40B4-BE49-F238E27FC236}">
+                <a16:creationId xmlns:a16="http://schemas.microsoft.com/office/drawing/2014/main" id="{72E48054-9C1C-AE4E-CA2E-B828A1DAE1C8}"/>
+              </a:ext>
+            </a:extLst>
+          </p:cNvPr>
           <p:cNvSpPr/>
           <p:nvPr/>
         </p:nvSpPr>
         <p:spPr>
           <a:xfrm>
-            <a:off x="1524000" y="3158252"/>
+            <a:off x="1524002" y="3429000"/>
             <a:ext cx="9144000" cy="83164"/>
           </a:xfrm>
           <a:prstGeom prst="rect">
@@ -4486,7 +4531,168 @@
           </a:p>
         </p:txBody>
       </p:sp>
+      <p:sp>
+        <p:nvSpPr>
+          <p:cNvPr id="6" name="TextBox 5">
+            <a:extLst>
+              <a:ext uri="{FF2B5EF4-FFF2-40B4-BE49-F238E27FC236}">
+                <a16:creationId xmlns:a16="http://schemas.microsoft.com/office/drawing/2014/main" id="{755256C9-8922-9D63-584F-4EA136047C59}"/>
+              </a:ext>
+            </a:extLst>
+          </p:cNvPr>
+          <p:cNvSpPr txBox="1"/>
+          <p:nvPr/>
+        </p:nvSpPr>
+        <p:spPr>
+          <a:xfrm>
+            <a:off x="1887100" y="3601311"/>
+            <a:ext cx="8417799" cy="461665"/>
+          </a:xfrm>
+          <a:prstGeom prst="rect">
+            <a:avLst/>
+          </a:prstGeom>
+          <a:noFill/>
+        </p:spPr>
+        <p:txBody>
+          <a:bodyPr wrap="square" rtlCol="0">
+            <a:spAutoFit/>
+          </a:bodyPr>
+          <a:lstStyle/>
+          <a:p>
+            <a:pPr algn="ctr"/>
+            <a:r>
+              <a:rPr lang="en-US" sz="2400" b="1" dirty="0">
+                <a:cs typeface="Times New Roman" panose="02020603050405020304" pitchFamily="18" charset="0"/>
+              </a:rPr>
+              <a:t>Krit </a:t>
+            </a:r>
+            <a:r>
+              <a:rPr lang="en-US" sz="2400" b="1" dirty="0" err="1">
+                <a:cs typeface="Times New Roman" panose="02020603050405020304" pitchFamily="18" charset="0"/>
+              </a:rPr>
+              <a:t>Ittisomboon</a:t>
+            </a:r>
+            <a:r>
+              <a:rPr lang="en-US" sz="2400" b="1" dirty="0">
+                <a:cs typeface="Times New Roman" panose="02020603050405020304" pitchFamily="18" charset="0"/>
+              </a:rPr>
+              <a:t> </a:t>
+            </a:r>
+            <a:r>
+              <a:rPr lang="en-US" sz="2400" dirty="0">
+                <a:cs typeface="Times New Roman" panose="02020603050405020304" pitchFamily="18" charset="0"/>
+              </a:rPr>
+              <a:t>2025/06/26 </a:t>
+            </a:r>
+            <a:r>
+              <a:rPr lang="en-US" sz="2400" dirty="0" err="1">
+                <a:cs typeface="Times New Roman" panose="02020603050405020304" pitchFamily="18" charset="0"/>
+              </a:rPr>
+              <a:t>WasedaUniversity</a:t>
+            </a:r>
+            <a:r>
+              <a:rPr lang="en-US" sz="2400" dirty="0">
+                <a:cs typeface="Times New Roman" panose="02020603050405020304" pitchFamily="18" charset="0"/>
+              </a:rPr>
+              <a:t>/KMITL</a:t>
+            </a:r>
+          </a:p>
+        </p:txBody>
+      </p:sp>
+      <p:sp>
+        <p:nvSpPr>
+          <p:cNvPr id="7" name="TextBox 6">
+            <a:extLst>
+              <a:ext uri="{FF2B5EF4-FFF2-40B4-BE49-F238E27FC236}">
+                <a16:creationId xmlns:a16="http://schemas.microsoft.com/office/drawing/2014/main" id="{60413FA0-7662-FE02-6649-CB2411780D00}"/>
+              </a:ext>
+            </a:extLst>
+          </p:cNvPr>
+          <p:cNvSpPr txBox="1"/>
+          <p:nvPr/>
+        </p:nvSpPr>
+        <p:spPr>
+          <a:xfrm>
+            <a:off x="2888955" y="4062976"/>
+            <a:ext cx="6097022" cy="369332"/>
+          </a:xfrm>
+          <a:prstGeom prst="rect">
+            <a:avLst/>
+          </a:prstGeom>
+          <a:noFill/>
+        </p:spPr>
+        <p:txBody>
+          <a:bodyPr wrap="square">
+            <a:spAutoFit/>
+          </a:bodyPr>
+          <a:lstStyle/>
+          <a:p>
+            <a:pPr algn="ctr">
+              <a:spcBef>
+                <a:spcPct val="20000"/>
+              </a:spcBef>
+            </a:pPr>
+            <a:r>
+              <a:rPr lang="en-US" altLang="ja-JP" sz="1800" i="1" dirty="0">
+                <a:solidFill>
+                  <a:schemeClr val="tx1">
+                    <a:lumMod val="85000"/>
+                    <a:lumOff val="15000"/>
+                  </a:schemeClr>
+                </a:solidFill>
+                <a:ea typeface="IPA Pゴシック"/>
+                <a:cs typeface="Times New Roman" pitchFamily="18" charset="0"/>
+              </a:rPr>
+              <a:t>Final Presentation </a:t>
+            </a:r>
+            <a:r>
+              <a:rPr lang="en-US" altLang="ja-JP" sz="1800" b="1" i="1" dirty="0">
+                <a:solidFill>
+                  <a:schemeClr val="tx1">
+                    <a:lumMod val="85000"/>
+                    <a:lumOff val="15000"/>
+                  </a:schemeClr>
+                </a:solidFill>
+                <a:ea typeface="IPA Pゴシック"/>
+                <a:cs typeface="Times New Roman" pitchFamily="18" charset="0"/>
+              </a:rPr>
+              <a:t>Prof. </a:t>
+            </a:r>
+            <a:r>
+              <a:rPr lang="en-US" altLang="ja-JP" sz="1800" b="1" i="1" dirty="0" err="1">
+                <a:solidFill>
+                  <a:schemeClr val="tx1">
+                    <a:lumMod val="85000"/>
+                    <a:lumOff val="15000"/>
+                  </a:schemeClr>
+                </a:solidFill>
+                <a:ea typeface="IPA Pゴシック"/>
+                <a:cs typeface="Times New Roman" pitchFamily="18" charset="0"/>
+              </a:rPr>
+              <a:t>Asei</a:t>
+            </a:r>
+            <a:r>
+              <a:rPr lang="en-US" altLang="ja-JP" sz="1800" b="1" i="1" dirty="0">
+                <a:solidFill>
+                  <a:schemeClr val="tx1">
+                    <a:lumMod val="85000"/>
+                    <a:lumOff val="15000"/>
+                  </a:schemeClr>
+                </a:solidFill>
+                <a:ea typeface="IPA Pゴシック"/>
+                <a:cs typeface="Times New Roman" pitchFamily="18" charset="0"/>
+              </a:rPr>
+              <a:t> Tezuka Lab.</a:t>
+            </a:r>
+          </a:p>
+        </p:txBody>
+      </p:sp>
     </p:spTree>
+    <p:extLst>
+      <p:ext uri="{BB962C8B-B14F-4D97-AF65-F5344CB8AC3E}">
+        <p14:creationId xmlns:p14="http://schemas.microsoft.com/office/powerpoint/2010/main" val="2208680951"/>
+      </p:ext>
+    </p:extLst>
   </p:cSld>
   <p:clrMapOvr>
     <a:masterClrMapping/>
@@ -4494,12 +4700,18 @@
 </p:sld>
 </file>
 
-<file path=ppt/slides/slide2.xml><?xml version="1.0" encoding="utf-8"?>
+<file path=ppt/slides/slide10.xml><?xml version="1.0" encoding="utf-8"?>
 <p:sld xmlns:a="http://schemas.openxmlformats.org/drawingml/2006/main" xmlns:r="http://schemas.openxmlformats.org/officeDocument/2006/relationships" xmlns:p="http://schemas.openxmlformats.org/presentationml/2006/main">
   <p:cSld>
     <p:spTree>
       <p:nvGrpSpPr>
-        <p:cNvPr id="1" name=""/>
+        <p:cNvPr id="1" name="">
+          <a:extLst>
+            <a:ext uri="{FF2B5EF4-FFF2-40B4-BE49-F238E27FC236}">
+              <a16:creationId xmlns:a16="http://schemas.microsoft.com/office/drawing/2014/main" id="{B5EB76A7-ADFD-E54D-B10E-1799A68A29B3}"/>
+            </a:ext>
+          </a:extLst>
+        </p:cNvPr>
         <p:cNvGrpSpPr/>
         <p:nvPr/>
       </p:nvGrpSpPr>
@@ -4516,7 +4728,7 @@
           <p:cNvPr id="2" name="タイトル 1">
             <a:extLst>
               <a:ext uri="{FF2B5EF4-FFF2-40B4-BE49-F238E27FC236}">
-                <a16:creationId xmlns:a16="http://schemas.microsoft.com/office/drawing/2014/main" id="{4D766852-B9E2-85D7-2DB9-25898FBDBD81}"/>
+                <a16:creationId xmlns:a16="http://schemas.microsoft.com/office/drawing/2014/main" id="{9FFD5EC9-5E06-6EBB-0F30-D3F3FC638E34}"/>
               </a:ext>
             </a:extLst>
           </p:cNvPr>
@@ -4538,10 +4750,10 @@
           <a:lstStyle/>
           <a:p>
             <a:r>
-              <a:rPr lang="en-US" altLang="ja-JP" dirty="0"/>
-              <a:t>Title</a:t>
-            </a:r>
-            <a:endParaRPr kumimoji="1" lang="ja-JP" altLang="en-US"/>
+              <a:rPr kumimoji="1" lang="en-US" altLang="ja-JP" sz="4000" b="1" i="1" dirty="0"/>
+              <a:t>Expected Patterns</a:t>
+            </a:r>
+            <a:endParaRPr kumimoji="1" lang="ja-JP" altLang="en-US" sz="4000" b="1" i="1" dirty="0"/>
           </a:p>
         </p:txBody>
       </p:sp>
@@ -4550,7 +4762,7 @@
           <p:cNvPr id="3" name="スライド番号プレースホルダー 2">
             <a:extLst>
               <a:ext uri="{FF2B5EF4-FFF2-40B4-BE49-F238E27FC236}">
-                <a16:creationId xmlns:a16="http://schemas.microsoft.com/office/drawing/2014/main" id="{4EB2819E-0B06-FBD6-8234-3F67C7193B63}"/>
+                <a16:creationId xmlns:a16="http://schemas.microsoft.com/office/drawing/2014/main" id="{B091FE84-519C-3A2E-EE7B-24DDAD7EF1AB}"/>
               </a:ext>
             </a:extLst>
           </p:cNvPr>
@@ -4569,7 +4781,7 @@
             <a:fld id="{1E188E5C-A572-468D-8598-CE214D70D8BB}" type="slidenum">
               <a:rPr kumimoji="1" lang="ja-JP" altLang="en-US" smtClean="0"/>
               <a:pPr/>
-              <a:t>2</a:t>
+              <a:t>10</a:t>
             </a:fld>
             <a:endParaRPr kumimoji="1" lang="ja-JP" altLang="en-US" dirty="0"/>
           </a:p>
@@ -4577,10 +4789,10 @@
       </p:sp>
       <p:sp>
         <p:nvSpPr>
-          <p:cNvPr id="4" name="テキスト ボックス 3">
-            <a:extLst>
-              <a:ext uri="{FF2B5EF4-FFF2-40B4-BE49-F238E27FC236}">
-                <a16:creationId xmlns:a16="http://schemas.microsoft.com/office/drawing/2014/main" id="{9B980B14-2EBD-9F0C-F109-4957EEB33DBD}"/>
+          <p:cNvPr id="5" name="TextBox 4">
+            <a:extLst>
+              <a:ext uri="{FF2B5EF4-FFF2-40B4-BE49-F238E27FC236}">
+                <a16:creationId xmlns:a16="http://schemas.microsoft.com/office/drawing/2014/main" id="{5768506A-4A94-288C-5132-2C5716BBE33E}"/>
               </a:ext>
             </a:extLst>
           </p:cNvPr>
@@ -4589,8 +4801,8 @@
         </p:nvSpPr>
         <p:spPr>
           <a:xfrm>
-            <a:off x="803382" y="998622"/>
-            <a:ext cx="5953874" cy="4801314"/>
+            <a:off x="0" y="1011564"/>
+            <a:ext cx="4299586" cy="369332"/>
           </a:xfrm>
           <a:prstGeom prst="rect">
             <a:avLst/>
@@ -4598,173 +4810,358 @@
           <a:noFill/>
         </p:spPr>
         <p:txBody>
-          <a:bodyPr wrap="none" rtlCol="0">
+          <a:bodyPr wrap="square" rtlCol="0">
             <a:spAutoFit/>
           </a:bodyPr>
           <a:lstStyle/>
           <a:p>
+            <a:r>
+              <a:rPr lang="en-US" dirty="0"/>
+              <a:t>Expected During 	Weather Events:</a:t>
+            </a:r>
+          </a:p>
+        </p:txBody>
+      </p:sp>
+      <p:graphicFrame>
+        <p:nvGraphicFramePr>
+          <p:cNvPr id="6" name="Table 5">
+            <a:extLst>
+              <a:ext uri="{FF2B5EF4-FFF2-40B4-BE49-F238E27FC236}">
+                <a16:creationId xmlns:a16="http://schemas.microsoft.com/office/drawing/2014/main" id="{9448D926-299B-A817-E3AE-069AEE87AE0A}"/>
+              </a:ext>
+            </a:extLst>
+          </p:cNvPr>
+          <p:cNvGraphicFramePr>
+            <a:graphicFrameLocks noGrp="1"/>
+          </p:cNvGraphicFramePr>
+          <p:nvPr>
+            <p:extLst>
+              <p:ext uri="{D42A27DB-BD31-4B8C-83A1-F6EECF244321}">
+                <p14:modId xmlns:p14="http://schemas.microsoft.com/office/powerpoint/2010/main" val="2350642075"/>
+              </p:ext>
+            </p:extLst>
+          </p:nvPr>
+        </p:nvGraphicFramePr>
+        <p:xfrm>
+          <a:off x="0" y="1380896"/>
+          <a:ext cx="4299586" cy="1849120"/>
+        </p:xfrm>
+        <a:graphic>
+          <a:graphicData uri="http://schemas.openxmlformats.org/drawingml/2006/table">
+            <a:tbl>
+              <a:tblPr firstRow="1" bandRow="1">
+                <a:tableStyleId>{5C22544A-7EE6-4342-B048-85BDC9FD1C3A}</a:tableStyleId>
+              </a:tblPr>
+              <a:tblGrid>
+                <a:gridCol w="1940243">
+                  <a:extLst>
+                    <a:ext uri="{9D8B030D-6E8A-4147-A177-3AD203B41FA5}">
+                      <a16:colId xmlns:a16="http://schemas.microsoft.com/office/drawing/2014/main" val="259798001"/>
+                    </a:ext>
+                  </a:extLst>
+                </a:gridCol>
+                <a:gridCol w="2359343">
+                  <a:extLst>
+                    <a:ext uri="{9D8B030D-6E8A-4147-A177-3AD203B41FA5}">
+                      <a16:colId xmlns:a16="http://schemas.microsoft.com/office/drawing/2014/main" val="2505635719"/>
+                    </a:ext>
+                  </a:extLst>
+                </a:gridCol>
+              </a:tblGrid>
+              <a:tr h="0">
+                <a:tc>
+                  <a:txBody>
+                    <a:bodyPr/>
+                    <a:lstStyle/>
+                    <a:p>
+                      <a:r>
+                        <a:rPr lang="en-US" dirty="0"/>
+                        <a:t>Wind Type </a:t>
+                      </a:r>
+                    </a:p>
+                  </a:txBody>
+                  <a:tcPr/>
+                </a:tc>
+                <a:tc>
+                  <a:txBody>
+                    <a:bodyPr/>
+                    <a:lstStyle/>
+                    <a:p>
+                      <a:r>
+                        <a:rPr lang="en-US" dirty="0"/>
+                        <a:t>Expected Behavior</a:t>
+                      </a:r>
+                    </a:p>
+                  </a:txBody>
+                  <a:tcPr/>
+                </a:tc>
+                <a:extLst>
+                  <a:ext uri="{0D108BD9-81ED-4DB2-BD59-A6C34878D82A}">
+                    <a16:rowId xmlns:a16="http://schemas.microsoft.com/office/drawing/2014/main" val="2724711947"/>
+                  </a:ext>
+                </a:extLst>
+              </a:tr>
+              <a:tr h="370840">
+                <a:tc>
+                  <a:txBody>
+                    <a:bodyPr/>
+                    <a:lstStyle/>
+                    <a:p>
+                      <a:r>
+                        <a:rPr lang="en-US" dirty="0"/>
+                        <a:t>🔄 CROSSWIND</a:t>
+                      </a:r>
+                    </a:p>
+                  </a:txBody>
+                  <a:tcPr/>
+                </a:tc>
+                <a:tc>
+                  <a:txBody>
+                    <a:bodyPr/>
+                    <a:lstStyle/>
+                    <a:p>
+                      <a:r>
+                        <a:rPr lang="en-US" dirty="0"/>
+                        <a:t>Highest caution</a:t>
+                      </a:r>
+                    </a:p>
+                  </a:txBody>
+                  <a:tcPr/>
+                </a:tc>
+                <a:extLst>
+                  <a:ext uri="{0D108BD9-81ED-4DB2-BD59-A6C34878D82A}">
+                    <a16:rowId xmlns:a16="http://schemas.microsoft.com/office/drawing/2014/main" val="2599489960"/>
+                  </a:ext>
+                </a:extLst>
+              </a:tr>
+              <a:tr h="370840">
+                <a:tc>
+                  <a:txBody>
+                    <a:bodyPr/>
+                    <a:lstStyle/>
+                    <a:p>
+                      <a:r>
+                        <a:rPr lang="en-US" dirty="0"/>
+                        <a:t>⬅️ HEADWIND</a:t>
+                      </a:r>
+                    </a:p>
+                  </a:txBody>
+                  <a:tcPr/>
+                </a:tc>
+                <a:tc>
+                  <a:txBody>
+                    <a:bodyPr/>
+                    <a:lstStyle/>
+                    <a:p>
+                      <a:r>
+                        <a:rPr lang="en-US" dirty="0"/>
+                        <a:t>Moderate avoid</a:t>
+                      </a:r>
+                    </a:p>
+                  </a:txBody>
+                  <a:tcPr/>
+                </a:tc>
+                <a:extLst>
+                  <a:ext uri="{0D108BD9-81ED-4DB2-BD59-A6C34878D82A}">
+                    <a16:rowId xmlns:a16="http://schemas.microsoft.com/office/drawing/2014/main" val="1888288274"/>
+                  </a:ext>
+                </a:extLst>
+              </a:tr>
+              <a:tr h="370840">
+                <a:tc>
+                  <a:txBody>
+                    <a:bodyPr/>
+                    <a:lstStyle/>
+                    <a:p>
+                      <a:r>
+                        <a:rPr lang="en-US" dirty="0"/>
+                        <a:t>➡️ TAILWIND</a:t>
+                      </a:r>
+                    </a:p>
+                  </a:txBody>
+                  <a:tcPr/>
+                </a:tc>
+                <a:tc>
+                  <a:txBody>
+                    <a:bodyPr/>
+                    <a:lstStyle/>
+                    <a:p>
+                      <a:r>
+                        <a:rPr lang="en-US" dirty="0"/>
+                        <a:t>Least avoidance</a:t>
+                      </a:r>
+                    </a:p>
+                  </a:txBody>
+                  <a:tcPr/>
+                </a:tc>
+                <a:extLst>
+                  <a:ext uri="{0D108BD9-81ED-4DB2-BD59-A6C34878D82A}">
+                    <a16:rowId xmlns:a16="http://schemas.microsoft.com/office/drawing/2014/main" val="705013615"/>
+                  </a:ext>
+                </a:extLst>
+              </a:tr>
+              <a:tr h="370840">
+                <a:tc>
+                  <a:txBody>
+                    <a:bodyPr/>
+                    <a:lstStyle/>
+                    <a:p>
+                      <a:r>
+                        <a:rPr lang="en-US" dirty="0"/>
+                        <a:t>⏹️ CALM</a:t>
+                      </a:r>
+                    </a:p>
+                  </a:txBody>
+                  <a:tcPr/>
+                </a:tc>
+                <a:tc>
+                  <a:txBody>
+                    <a:bodyPr/>
+                    <a:lstStyle/>
+                    <a:p>
+                      <a:r>
+                        <a:rPr lang="en-US" dirty="0"/>
+                        <a:t>Minimal changes</a:t>
+                      </a:r>
+                    </a:p>
+                  </a:txBody>
+                  <a:tcPr/>
+                </a:tc>
+                <a:extLst>
+                  <a:ext uri="{0D108BD9-81ED-4DB2-BD59-A6C34878D82A}">
+                    <a16:rowId xmlns:a16="http://schemas.microsoft.com/office/drawing/2014/main" val="449120493"/>
+                  </a:ext>
+                </a:extLst>
+              </a:tr>
+            </a:tbl>
+          </a:graphicData>
+        </a:graphic>
+      </p:graphicFrame>
+      <p:sp>
+        <p:nvSpPr>
+          <p:cNvPr id="12" name="TextBox 11">
+            <a:extLst>
+              <a:ext uri="{FF2B5EF4-FFF2-40B4-BE49-F238E27FC236}">
+                <a16:creationId xmlns:a16="http://schemas.microsoft.com/office/drawing/2014/main" id="{25EA9916-6F9C-8D64-DE78-7B647AA20B7F}"/>
+              </a:ext>
+            </a:extLst>
+          </p:cNvPr>
+          <p:cNvSpPr txBox="1"/>
+          <p:nvPr/>
+        </p:nvSpPr>
+        <p:spPr>
+          <a:xfrm>
+            <a:off x="0" y="3599348"/>
+            <a:ext cx="6456032" cy="3416320"/>
+          </a:xfrm>
+          <a:prstGeom prst="rect">
+            <a:avLst/>
+          </a:prstGeom>
+          <a:noFill/>
+        </p:spPr>
+        <p:txBody>
+          <a:bodyPr wrap="square" rtlCol="0">
+            <a:spAutoFit/>
+          </a:bodyPr>
+          <a:lstStyle/>
+          <a:p>
+            <a:r>
+              <a:rPr lang="en-US" dirty="0"/>
+              <a:t>Decision Zones:</a:t>
+            </a:r>
+          </a:p>
+          <a:p>
             <a:pPr marL="285750" indent="-285750">
-              <a:buFont typeface="Arial" panose="020B0604020202020204" pitchFamily="34" charset="0"/>
-              <a:buChar char="•"/>
-            </a:pPr>
-            <a:r>
-              <a:rPr kumimoji="1" lang="en-US" altLang="ja-JP" dirty="0"/>
-              <a:t>Introduction</a:t>
-            </a:r>
-          </a:p>
-          <a:p>
-            <a:pPr marL="742950" lvl="1" indent="-285750">
-              <a:buFont typeface="Arial" panose="020B0604020202020204" pitchFamily="34" charset="0"/>
-              <a:buChar char="•"/>
-            </a:pPr>
-            <a:r>
-              <a:rPr lang="en-US" altLang="ja-JP" dirty="0"/>
-              <a:t>Outline</a:t>
-            </a:r>
-            <a:endParaRPr kumimoji="1" lang="en-US" altLang="ja-JP" dirty="0"/>
+              <a:buFont typeface="Courier New" panose="02070309020205020404" pitchFamily="49" charset="0"/>
+              <a:buChar char="o"/>
+            </a:pPr>
+            <a:r>
+              <a:rPr lang="en-US" dirty="0"/>
+              <a:t>&gt; 60 Km: Free Maneuvering – Large deviations possible</a:t>
+            </a:r>
           </a:p>
           <a:p>
             <a:pPr marL="285750" indent="-285750">
-              <a:buFont typeface="Arial" panose="020B0604020202020204" pitchFamily="34" charset="0"/>
-              <a:buChar char="•"/>
-            </a:pPr>
-            <a:r>
-              <a:rPr lang="en-US" altLang="ja-JP" dirty="0"/>
-              <a:t>Background</a:t>
-            </a:r>
-          </a:p>
-          <a:p>
-            <a:pPr marL="742950" lvl="1" indent="-285750">
-              <a:buFont typeface="Arial" panose="020B0604020202020204" pitchFamily="34" charset="0"/>
-              <a:buChar char="•"/>
-            </a:pPr>
-            <a:r>
-              <a:rPr lang="en-US" altLang="ja-JP" dirty="0"/>
-              <a:t>About current Thai air traffic</a:t>
+              <a:buFont typeface="Courier New" panose="02070309020205020404" pitchFamily="49" charset="0"/>
+              <a:buChar char="o"/>
+            </a:pPr>
+            <a:r>
+              <a:rPr lang="en-US" dirty="0"/>
+              <a:t>40 – 60 Km: Critical Decisions – Most avoidance here</a:t>
             </a:r>
           </a:p>
           <a:p>
             <a:pPr marL="285750" indent="-285750">
-              <a:buFont typeface="Arial" panose="020B0604020202020204" pitchFamily="34" charset="0"/>
-              <a:buChar char="•"/>
-            </a:pPr>
-            <a:r>
-              <a:rPr kumimoji="1" lang="en-US" altLang="ja-JP" dirty="0"/>
-              <a:t>Purpose</a:t>
-            </a:r>
-          </a:p>
-          <a:p>
-            <a:pPr marL="742950" lvl="1" indent="-285750">
-              <a:buFont typeface="Arial" panose="020B0604020202020204" pitchFamily="34" charset="0"/>
-              <a:buChar char="•"/>
-            </a:pPr>
-            <a:r>
-              <a:rPr lang="en-US" altLang="ja-JP" dirty="0"/>
-              <a:t>To know features of Thai air traffic</a:t>
-            </a:r>
-            <a:endParaRPr kumimoji="1" lang="en-US" altLang="ja-JP" dirty="0"/>
+              <a:buFont typeface="Courier New" panose="02070309020205020404" pitchFamily="49" charset="0"/>
+              <a:buChar char="o"/>
+            </a:pPr>
+            <a:r>
+              <a:rPr lang="en-US" dirty="0"/>
+              <a:t>20 – 40Km: Limited Options – Minor adjustment only</a:t>
+            </a:r>
           </a:p>
           <a:p>
             <a:pPr marL="285750" indent="-285750">
-              <a:buFont typeface="Arial" panose="020B0604020202020204" pitchFamily="34" charset="0"/>
-              <a:buChar char="•"/>
-            </a:pPr>
-            <a:r>
-              <a:rPr kumimoji="1" lang="en-US" altLang="ja-JP" dirty="0"/>
-              <a:t>Data</a:t>
-            </a:r>
-          </a:p>
-          <a:p>
-            <a:pPr marL="742950" lvl="1" indent="-285750">
-              <a:buFont typeface="Arial" panose="020B0604020202020204" pitchFamily="34" charset="0"/>
-              <a:buChar char="•"/>
-            </a:pPr>
-            <a:r>
-              <a:rPr lang="en-US" altLang="ja-JP" dirty="0"/>
-              <a:t>Where you got flight data and echo data and …</a:t>
-            </a:r>
-          </a:p>
-          <a:p>
-            <a:pPr marL="742950" lvl="1" indent="-285750">
-              <a:buFont typeface="Arial" panose="020B0604020202020204" pitchFamily="34" charset="0"/>
-              <a:buChar char="•"/>
-            </a:pPr>
-            <a:endParaRPr kumimoji="1" lang="en-US" altLang="ja-JP" dirty="0"/>
-          </a:p>
-          <a:p>
-            <a:pPr lvl="1"/>
-            <a:r>
-              <a:rPr lang="en-US" altLang="ja-JP" dirty="0"/>
-              <a:t>By Friday</a:t>
-            </a:r>
-            <a:endParaRPr kumimoji="1" lang="en-US" altLang="ja-JP" dirty="0"/>
-          </a:p>
-          <a:p>
-            <a:pPr lvl="1"/>
-            <a:endParaRPr kumimoji="1" lang="en-US" altLang="ja-JP" dirty="0"/>
+              <a:buFont typeface="Courier New" panose="02070309020205020404" pitchFamily="49" charset="0"/>
+              <a:buChar char="o"/>
+            </a:pPr>
+            <a:r>
+              <a:rPr lang="en-US" dirty="0"/>
+              <a:t>&lt; 20 KM: Must Continue – Too close to deviate</a:t>
+            </a:r>
+          </a:p>
+          <a:p>
+            <a:endParaRPr lang="en-US" dirty="0"/>
+          </a:p>
+          <a:p>
+            <a:r>
+              <a:rPr lang="en-US" dirty="0"/>
+              <a:t>Altitude Factor:</a:t>
+            </a:r>
           </a:p>
           <a:p>
             <a:pPr marL="285750" indent="-285750">
-              <a:buFont typeface="Arial" panose="020B0604020202020204" pitchFamily="34" charset="0"/>
-              <a:buChar char="•"/>
-            </a:pPr>
-            <a:r>
-              <a:rPr lang="en-US" altLang="ja-JP" dirty="0"/>
-              <a:t>Result</a:t>
-            </a:r>
-          </a:p>
-          <a:p>
-            <a:pPr marL="742950" lvl="1" indent="-285750">
-              <a:buFont typeface="Arial" panose="020B0604020202020204" pitchFamily="34" charset="0"/>
-              <a:buChar char="•"/>
-            </a:pPr>
-            <a:r>
-              <a:rPr lang="en-US" altLang="ja-JP" dirty="0"/>
-              <a:t>The number of data and %</a:t>
+              <a:buFont typeface="Courier New" panose="02070309020205020404" pitchFamily="49" charset="0"/>
+              <a:buChar char="o"/>
+            </a:pPr>
+            <a:r>
+              <a:rPr lang="en-US" dirty="0"/>
+              <a:t>&gt;5,000 ft: More Likely to avoid</a:t>
             </a:r>
           </a:p>
           <a:p>
             <a:pPr marL="285750" indent="-285750">
-              <a:buFont typeface="Arial" panose="020B0604020202020204" pitchFamily="34" charset="0"/>
-              <a:buChar char="•"/>
-            </a:pPr>
-            <a:r>
-              <a:rPr kumimoji="1" lang="en-US" altLang="ja-JP" dirty="0"/>
-              <a:t>Conclusion</a:t>
-            </a:r>
-          </a:p>
-          <a:p>
-            <a:pPr marL="742950" lvl="1" indent="-285750">
-              <a:buFont typeface="Arial" panose="020B0604020202020204" pitchFamily="34" charset="0"/>
-              <a:buChar char="•"/>
-            </a:pPr>
-            <a:r>
-              <a:rPr lang="en-US" altLang="ja-JP" dirty="0"/>
-              <a:t>Conclusion and future work</a:t>
-            </a:r>
-            <a:endParaRPr kumimoji="1" lang="en-US" altLang="ja-JP" dirty="0"/>
+              <a:buFont typeface="Courier New" panose="02070309020205020404" pitchFamily="49" charset="0"/>
+              <a:buChar char="o"/>
+            </a:pPr>
+            <a:r>
+              <a:rPr lang="en-US" dirty="0"/>
+              <a:t>&lt;3,000 ft: Committed to Landing</a:t>
+            </a:r>
           </a:p>
           <a:p>
             <a:pPr marL="285750" indent="-285750">
-              <a:buFont typeface="Arial" panose="020B0604020202020204" pitchFamily="34" charset="0"/>
-              <a:buChar char="•"/>
-            </a:pPr>
-            <a:endParaRPr kumimoji="1" lang="en-US" altLang="ja-JP" dirty="0"/>
-          </a:p>
-          <a:p>
-            <a:pPr lvl="1"/>
-            <a:r>
-              <a:rPr lang="en-US" altLang="ja-JP" dirty="0"/>
-              <a:t>By Monday</a:t>
-            </a:r>
-            <a:endParaRPr kumimoji="1" lang="ja-JP" altLang="en-US" dirty="0"/>
+              <a:buFont typeface="Courier New" panose="02070309020205020404" pitchFamily="49" charset="0"/>
+              <a:buChar char="o"/>
+            </a:pPr>
+            <a:endParaRPr lang="en-US" dirty="0"/>
+          </a:p>
+          <a:p>
+            <a:pPr marL="285750" indent="-285750">
+              <a:buFont typeface="Courier New" panose="02070309020205020404" pitchFamily="49" charset="0"/>
+              <a:buChar char="o"/>
+            </a:pPr>
+            <a:endParaRPr lang="en-US" dirty="0"/>
+          </a:p>
+          <a:p>
+            <a:endParaRPr lang="en-US" dirty="0"/>
           </a:p>
         </p:txBody>
       </p:sp>
     </p:spTree>
     <p:extLst>
       <p:ext uri="{BB962C8B-B14F-4D97-AF65-F5344CB8AC3E}">
-        <p14:creationId xmlns:p14="http://schemas.microsoft.com/office/powerpoint/2010/main" val="3953815985"/>
+        <p14:creationId xmlns:p14="http://schemas.microsoft.com/office/powerpoint/2010/main" val="1926026279"/>
       </p:ext>
     </p:extLst>
   </p:cSld>
@@ -4774,7 +5171,561 @@
 </p:sld>
 </file>
 
-<file path=ppt/slides/slide3.xml><?xml version="1.0" encoding="utf-8"?>
+<file path=ppt/slides/slide11.xml><?xml version="1.0" encoding="utf-8"?>
+<p:sld xmlns:a="http://schemas.openxmlformats.org/drawingml/2006/main" xmlns:r="http://schemas.openxmlformats.org/officeDocument/2006/relationships" xmlns:p="http://schemas.openxmlformats.org/presentationml/2006/main">
+  <p:cSld>
+    <p:spTree>
+      <p:nvGrpSpPr>
+        <p:cNvPr id="1" name="">
+          <a:extLst>
+            <a:ext uri="{FF2B5EF4-FFF2-40B4-BE49-F238E27FC236}">
+              <a16:creationId xmlns:a16="http://schemas.microsoft.com/office/drawing/2014/main" id="{5B065680-6E20-4C25-AA90-995E1DA0B9EB}"/>
+            </a:ext>
+          </a:extLst>
+        </p:cNvPr>
+        <p:cNvGrpSpPr/>
+        <p:nvPr/>
+      </p:nvGrpSpPr>
+      <p:grpSpPr>
+        <a:xfrm>
+          <a:off x="0" y="0"/>
+          <a:ext cx="0" cy="0"/>
+          <a:chOff x="0" y="0"/>
+          <a:chExt cx="0" cy="0"/>
+        </a:xfrm>
+      </p:grpSpPr>
+      <p:sp>
+        <p:nvSpPr>
+          <p:cNvPr id="2" name="タイトル 1">
+            <a:extLst>
+              <a:ext uri="{FF2B5EF4-FFF2-40B4-BE49-F238E27FC236}">
+                <a16:creationId xmlns:a16="http://schemas.microsoft.com/office/drawing/2014/main" id="{030A2F7E-DF6B-FF40-698F-D2C6E1CEF60B}"/>
+              </a:ext>
+            </a:extLst>
+          </p:cNvPr>
+          <p:cNvSpPr>
+            <a:spLocks noGrp="1"/>
+          </p:cNvSpPr>
+          <p:nvPr>
+            <p:ph type="title"/>
+          </p:nvPr>
+        </p:nvSpPr>
+        <p:spPr>
+          <a:xfrm>
+            <a:off x="803382" y="136524"/>
+            <a:ext cx="10369152" cy="442763"/>
+          </a:xfrm>
+        </p:spPr>
+        <p:txBody>
+          <a:bodyPr/>
+          <a:lstStyle/>
+          <a:p>
+            <a:r>
+              <a:rPr kumimoji="1" lang="en-US" altLang="ja-JP" sz="4000" b="1" i="1" dirty="0"/>
+              <a:t>Future Development</a:t>
+            </a:r>
+            <a:endParaRPr kumimoji="1" lang="ja-JP" altLang="en-US" sz="4000" b="1" i="1" dirty="0"/>
+          </a:p>
+        </p:txBody>
+      </p:sp>
+      <p:sp>
+        <p:nvSpPr>
+          <p:cNvPr id="3" name="スライド番号プレースホルダー 2">
+            <a:extLst>
+              <a:ext uri="{FF2B5EF4-FFF2-40B4-BE49-F238E27FC236}">
+                <a16:creationId xmlns:a16="http://schemas.microsoft.com/office/drawing/2014/main" id="{268899EC-CFC5-2F3D-B556-EE4A83F3AC61}"/>
+              </a:ext>
+            </a:extLst>
+          </p:cNvPr>
+          <p:cNvSpPr>
+            <a:spLocks noGrp="1"/>
+          </p:cNvSpPr>
+          <p:nvPr>
+            <p:ph type="sldNum" sz="quarter" idx="12"/>
+          </p:nvPr>
+        </p:nvSpPr>
+        <p:spPr/>
+        <p:txBody>
+          <a:bodyPr/>
+          <a:lstStyle/>
+          <a:p>
+            <a:fld id="{1E188E5C-A572-468D-8598-CE214D70D8BB}" type="slidenum">
+              <a:rPr kumimoji="1" lang="ja-JP" altLang="en-US" smtClean="0"/>
+              <a:pPr/>
+              <a:t>11</a:t>
+            </a:fld>
+            <a:endParaRPr kumimoji="1" lang="ja-JP" altLang="en-US" dirty="0"/>
+          </a:p>
+        </p:txBody>
+      </p:sp>
+      <p:sp>
+        <p:nvSpPr>
+          <p:cNvPr id="5" name="TextBox 4">
+            <a:extLst>
+              <a:ext uri="{FF2B5EF4-FFF2-40B4-BE49-F238E27FC236}">
+                <a16:creationId xmlns:a16="http://schemas.microsoft.com/office/drawing/2014/main" id="{28F0EF6F-7356-AEF5-E3DC-5AABE2C01BF9}"/>
+              </a:ext>
+            </a:extLst>
+          </p:cNvPr>
+          <p:cNvSpPr txBox="1"/>
+          <p:nvPr/>
+        </p:nvSpPr>
+        <p:spPr>
+          <a:xfrm>
+            <a:off x="0" y="1201555"/>
+            <a:ext cx="7211079" cy="5355312"/>
+          </a:xfrm>
+          <a:prstGeom prst="rect">
+            <a:avLst/>
+          </a:prstGeom>
+          <a:noFill/>
+        </p:spPr>
+        <p:txBody>
+          <a:bodyPr wrap="square" rtlCol="0">
+            <a:spAutoFit/>
+          </a:bodyPr>
+          <a:lstStyle/>
+          <a:p>
+            <a:r>
+              <a:rPr lang="en-US" dirty="0"/>
+              <a:t>Current System (60-70% Accuracy):</a:t>
+            </a:r>
+          </a:p>
+          <a:p>
+            <a:pPr marL="285750" indent="-285750">
+              <a:buFont typeface="Wingdings" panose="05000000000000000000" pitchFamily="2" charset="2"/>
+              <a:buChar char="Ø"/>
+            </a:pPr>
+            <a:r>
+              <a:rPr lang="en-US" dirty="0" err="1"/>
+              <a:t>OpenSky</a:t>
+            </a:r>
+            <a:r>
+              <a:rPr lang="en-US" dirty="0"/>
+              <a:t> Network Data</a:t>
+            </a:r>
+          </a:p>
+          <a:p>
+            <a:pPr marL="285750" indent="-285750">
+              <a:buFont typeface="Wingdings" panose="05000000000000000000" pitchFamily="2" charset="2"/>
+              <a:buChar char="Ø"/>
+            </a:pPr>
+            <a:r>
+              <a:rPr lang="en-US" dirty="0"/>
+              <a:t>Real Weather Data</a:t>
+            </a:r>
+          </a:p>
+          <a:p>
+            <a:pPr marL="285750" indent="-285750">
+              <a:buFont typeface="Wingdings" panose="05000000000000000000" pitchFamily="2" charset="2"/>
+              <a:buChar char="Ø"/>
+            </a:pPr>
+            <a:r>
+              <a:rPr lang="en-US" dirty="0"/>
+              <a:t>Surface Wind (METAR)</a:t>
+            </a:r>
+          </a:p>
+          <a:p>
+            <a:pPr marL="285750" indent="-285750">
+              <a:buFont typeface="Wingdings" panose="05000000000000000000" pitchFamily="2" charset="2"/>
+              <a:buChar char="Ø"/>
+            </a:pPr>
+            <a:r>
+              <a:rPr lang="en-US" dirty="0"/>
+              <a:t>Basic Pattern Decision</a:t>
+            </a:r>
+          </a:p>
+          <a:p>
+            <a:endParaRPr lang="en-US" dirty="0"/>
+          </a:p>
+          <a:p>
+            <a:r>
+              <a:rPr lang="en-US" dirty="0"/>
+              <a:t>Future Develop -&gt; (90%++ Accuracy):</a:t>
+            </a:r>
+          </a:p>
+          <a:p>
+            <a:pPr marL="285750" indent="-285750">
+              <a:buFont typeface="Wingdings" panose="05000000000000000000" pitchFamily="2" charset="2"/>
+              <a:buChar char="ü"/>
+            </a:pPr>
+            <a:r>
+              <a:rPr lang="en-US" dirty="0"/>
+              <a:t>FlightRadar24 integration (better tracking and more information)</a:t>
+            </a:r>
+          </a:p>
+          <a:p>
+            <a:pPr marL="285750" indent="-285750">
+              <a:buFont typeface="Wingdings" panose="05000000000000000000" pitchFamily="2" charset="2"/>
+              <a:buChar char="ü"/>
+            </a:pPr>
+            <a:r>
+              <a:rPr lang="en-US" dirty="0"/>
+              <a:t>Upper-Level Wind data (Full 3D analysis)</a:t>
+            </a:r>
+          </a:p>
+          <a:p>
+            <a:pPr marL="285750" indent="-285750">
+              <a:buFont typeface="Wingdings" panose="05000000000000000000" pitchFamily="2" charset="2"/>
+              <a:buChar char="ü"/>
+            </a:pPr>
+            <a:r>
+              <a:rPr lang="en-US" dirty="0"/>
+              <a:t>Machine Learning model create for greater predictions</a:t>
+            </a:r>
+          </a:p>
+          <a:p>
+            <a:pPr marL="285750" indent="-285750">
+              <a:buFont typeface="Wingdings" panose="05000000000000000000" pitchFamily="2" charset="2"/>
+              <a:buChar char="ü"/>
+            </a:pPr>
+            <a:r>
+              <a:rPr lang="en-US" dirty="0"/>
+              <a:t> Create Historical Pattern database</a:t>
+            </a:r>
+          </a:p>
+          <a:p>
+            <a:pPr marL="285750" indent="-285750">
+              <a:buFont typeface="Wingdings" panose="05000000000000000000" pitchFamily="2" charset="2"/>
+              <a:buChar char="ü"/>
+            </a:pPr>
+            <a:r>
+              <a:rPr lang="en-US" dirty="0"/>
+              <a:t>Continuous Monitoring (24/7)</a:t>
+            </a:r>
+          </a:p>
+          <a:p>
+            <a:pPr marL="285750" indent="-285750">
+              <a:buFont typeface="Wingdings" panose="05000000000000000000" pitchFamily="2" charset="2"/>
+              <a:buChar char="ü"/>
+            </a:pPr>
+            <a:endParaRPr lang="en-US" dirty="0"/>
+          </a:p>
+          <a:p>
+            <a:r>
+              <a:rPr lang="en-US" dirty="0"/>
+              <a:t>Applications:</a:t>
+            </a:r>
+          </a:p>
+          <a:p>
+            <a:pPr marL="285750" indent="-285750">
+              <a:buFont typeface="Wingdings" panose="05000000000000000000" pitchFamily="2" charset="2"/>
+              <a:buChar char="v"/>
+            </a:pPr>
+            <a:r>
+              <a:rPr lang="en-US" dirty="0"/>
+              <a:t>Air Traffic Control – Anticipate deviations</a:t>
+            </a:r>
+          </a:p>
+          <a:p>
+            <a:pPr marL="285750" indent="-285750">
+              <a:buFont typeface="Wingdings" panose="05000000000000000000" pitchFamily="2" charset="2"/>
+              <a:buChar char="v"/>
+            </a:pPr>
+            <a:r>
+              <a:rPr lang="en-US" dirty="0"/>
+              <a:t>Airlines – Optimize Approach</a:t>
+            </a:r>
+          </a:p>
+          <a:p>
+            <a:pPr marL="285750" indent="-285750">
+              <a:buFont typeface="Wingdings" panose="05000000000000000000" pitchFamily="2" charset="2"/>
+              <a:buChar char="v"/>
+            </a:pPr>
+            <a:r>
+              <a:rPr lang="en-US" dirty="0"/>
+              <a:t>Research – Safety Studies</a:t>
+            </a:r>
+          </a:p>
+          <a:p>
+            <a:pPr marL="285750" indent="-285750">
+              <a:buFont typeface="Wingdings" panose="05000000000000000000" pitchFamily="2" charset="2"/>
+              <a:buChar char="ü"/>
+            </a:pPr>
+            <a:endParaRPr lang="en-US" dirty="0"/>
+          </a:p>
+        </p:txBody>
+      </p:sp>
+    </p:spTree>
+    <p:extLst>
+      <p:ext uri="{BB962C8B-B14F-4D97-AF65-F5344CB8AC3E}">
+        <p14:creationId xmlns:p14="http://schemas.microsoft.com/office/powerpoint/2010/main" val="3249686894"/>
+      </p:ext>
+    </p:extLst>
+  </p:cSld>
+  <p:clrMapOvr>
+    <a:masterClrMapping/>
+  </p:clrMapOvr>
+</p:sld>
+</file>
+
+<file path=ppt/slides/slide12.xml><?xml version="1.0" encoding="utf-8"?>
+<p:sld xmlns:a="http://schemas.openxmlformats.org/drawingml/2006/main" xmlns:r="http://schemas.openxmlformats.org/officeDocument/2006/relationships" xmlns:p="http://schemas.openxmlformats.org/presentationml/2006/main">
+  <p:cSld>
+    <p:spTree>
+      <p:nvGrpSpPr>
+        <p:cNvPr id="1" name="">
+          <a:extLst>
+            <a:ext uri="{FF2B5EF4-FFF2-40B4-BE49-F238E27FC236}">
+              <a16:creationId xmlns:a16="http://schemas.microsoft.com/office/drawing/2014/main" id="{CE5750CF-506E-0462-B257-C1B29B7E3FE2}"/>
+            </a:ext>
+          </a:extLst>
+        </p:cNvPr>
+        <p:cNvGrpSpPr/>
+        <p:nvPr/>
+      </p:nvGrpSpPr>
+      <p:grpSpPr>
+        <a:xfrm>
+          <a:off x="0" y="0"/>
+          <a:ext cx="0" cy="0"/>
+          <a:chOff x="0" y="0"/>
+          <a:chExt cx="0" cy="0"/>
+        </a:xfrm>
+      </p:grpSpPr>
+      <p:sp>
+        <p:nvSpPr>
+          <p:cNvPr id="2" name="タイトル 1">
+            <a:extLst>
+              <a:ext uri="{FF2B5EF4-FFF2-40B4-BE49-F238E27FC236}">
+                <a16:creationId xmlns:a16="http://schemas.microsoft.com/office/drawing/2014/main" id="{3E3955C5-A9FA-AB55-2904-EE9338866BB3}"/>
+              </a:ext>
+            </a:extLst>
+          </p:cNvPr>
+          <p:cNvSpPr>
+            <a:spLocks noGrp="1"/>
+          </p:cNvSpPr>
+          <p:nvPr>
+            <p:ph type="title"/>
+          </p:nvPr>
+        </p:nvSpPr>
+        <p:spPr>
+          <a:xfrm>
+            <a:off x="803382" y="136524"/>
+            <a:ext cx="10369152" cy="442763"/>
+          </a:xfrm>
+        </p:spPr>
+        <p:txBody>
+          <a:bodyPr/>
+          <a:lstStyle/>
+          <a:p>
+            <a:r>
+              <a:rPr kumimoji="1" lang="en-US" altLang="ja-JP" sz="4000" b="1" i="1" dirty="0"/>
+              <a:t>Conclusion</a:t>
+            </a:r>
+            <a:endParaRPr kumimoji="1" lang="ja-JP" altLang="en-US" sz="4000" b="1" i="1" dirty="0"/>
+          </a:p>
+        </p:txBody>
+      </p:sp>
+      <p:sp>
+        <p:nvSpPr>
+          <p:cNvPr id="3" name="スライド番号プレースホルダー 2">
+            <a:extLst>
+              <a:ext uri="{FF2B5EF4-FFF2-40B4-BE49-F238E27FC236}">
+                <a16:creationId xmlns:a16="http://schemas.microsoft.com/office/drawing/2014/main" id="{1D2D47E2-679A-B225-61C3-B25546B5290A}"/>
+              </a:ext>
+            </a:extLst>
+          </p:cNvPr>
+          <p:cNvSpPr>
+            <a:spLocks noGrp="1"/>
+          </p:cNvSpPr>
+          <p:nvPr>
+            <p:ph type="sldNum" sz="quarter" idx="12"/>
+          </p:nvPr>
+        </p:nvSpPr>
+        <p:spPr/>
+        <p:txBody>
+          <a:bodyPr/>
+          <a:lstStyle/>
+          <a:p>
+            <a:fld id="{1E188E5C-A572-468D-8598-CE214D70D8BB}" type="slidenum">
+              <a:rPr kumimoji="1" lang="ja-JP" altLang="en-US" smtClean="0"/>
+              <a:pPr/>
+              <a:t>12</a:t>
+            </a:fld>
+            <a:endParaRPr kumimoji="1" lang="ja-JP" altLang="en-US" dirty="0"/>
+          </a:p>
+        </p:txBody>
+      </p:sp>
+      <p:sp>
+        <p:nvSpPr>
+          <p:cNvPr id="5" name="TextBox 4">
+            <a:extLst>
+              <a:ext uri="{FF2B5EF4-FFF2-40B4-BE49-F238E27FC236}">
+                <a16:creationId xmlns:a16="http://schemas.microsoft.com/office/drawing/2014/main" id="{3E7D00AB-C6CB-3F45-703C-BEDD5CD0AE60}"/>
+              </a:ext>
+            </a:extLst>
+          </p:cNvPr>
+          <p:cNvSpPr txBox="1"/>
+          <p:nvPr/>
+        </p:nvSpPr>
+        <p:spPr>
+          <a:xfrm>
+            <a:off x="0" y="1724031"/>
+            <a:ext cx="7211079" cy="4801314"/>
+          </a:xfrm>
+          <a:prstGeom prst="rect">
+            <a:avLst/>
+          </a:prstGeom>
+          <a:noFill/>
+        </p:spPr>
+        <p:txBody>
+          <a:bodyPr wrap="square" rtlCol="0">
+            <a:spAutoFit/>
+          </a:bodyPr>
+          <a:lstStyle/>
+          <a:p>
+            <a:r>
+              <a:rPr lang="en-US" dirty="0"/>
+              <a:t>What we Achieved:</a:t>
+            </a:r>
+          </a:p>
+          <a:p>
+            <a:pPr marL="285750" indent="-285750">
+              <a:buFont typeface="Wingdings" panose="05000000000000000000" pitchFamily="2" charset="2"/>
+              <a:buChar char="ü"/>
+            </a:pPr>
+            <a:r>
+              <a:rPr lang="en-US" dirty="0"/>
+              <a:t>Automated avoidance analysis for VTBS </a:t>
+            </a:r>
+          </a:p>
+          <a:p>
+            <a:pPr marL="285750" indent="-285750">
+              <a:buFont typeface="Wingdings" panose="05000000000000000000" pitchFamily="2" charset="2"/>
+              <a:buChar char="ü"/>
+            </a:pPr>
+            <a:r>
+              <a:rPr lang="en-US" dirty="0"/>
+              <a:t>Real-Time monitoring system operational</a:t>
+            </a:r>
+          </a:p>
+          <a:p>
+            <a:pPr marL="285750" indent="-285750">
+              <a:buFont typeface="Wingdings" panose="05000000000000000000" pitchFamily="2" charset="2"/>
+              <a:buChar char="ü"/>
+            </a:pPr>
+            <a:r>
+              <a:rPr lang="en-US" dirty="0"/>
+              <a:t>Discovered wind-dependent patterns</a:t>
+            </a:r>
+          </a:p>
+          <a:p>
+            <a:pPr marL="285750" indent="-285750">
+              <a:buFont typeface="Wingdings" panose="05000000000000000000" pitchFamily="2" charset="2"/>
+              <a:buChar char="ü"/>
+            </a:pPr>
+            <a:endParaRPr lang="en-US" dirty="0"/>
+          </a:p>
+          <a:p>
+            <a:r>
+              <a:rPr lang="en-US" dirty="0"/>
+              <a:t>Current Status: </a:t>
+            </a:r>
+          </a:p>
+          <a:p>
+            <a:pPr marL="285750" indent="-285750">
+              <a:buFont typeface="Wingdings" panose="05000000000000000000" pitchFamily="2" charset="2"/>
+              <a:buChar char="ü"/>
+            </a:pPr>
+            <a:r>
+              <a:rPr lang="en-US" dirty="0"/>
+              <a:t>📍System validated during clear conditions</a:t>
+            </a:r>
+          </a:p>
+          <a:p>
+            <a:pPr marL="285750" indent="-285750">
+              <a:buFont typeface="Wingdings" panose="05000000000000000000" pitchFamily="2" charset="2"/>
+              <a:buChar char="ü"/>
+            </a:pPr>
+            <a:r>
+              <a:rPr lang="en-US" dirty="0"/>
+              <a:t>📊Baseline behavior established</a:t>
+            </a:r>
+          </a:p>
+          <a:p>
+            <a:pPr marL="285750" indent="-285750">
+              <a:buFont typeface="Wingdings" panose="05000000000000000000" pitchFamily="2" charset="2"/>
+              <a:buChar char="ü"/>
+            </a:pPr>
+            <a:r>
+              <a:rPr lang="en-US" dirty="0"/>
+              <a:t>🎯Prepared for weather analysis</a:t>
+            </a:r>
+          </a:p>
+          <a:p>
+            <a:pPr marL="285750" indent="-285750">
+              <a:buFont typeface="Wingdings" panose="05000000000000000000" pitchFamily="2" charset="2"/>
+              <a:buChar char="ü"/>
+            </a:pPr>
+            <a:endParaRPr lang="en-US" dirty="0"/>
+          </a:p>
+          <a:p>
+            <a:r>
+              <a:rPr lang="en-US" dirty="0"/>
+              <a:t>Contact:</a:t>
+            </a:r>
+          </a:p>
+          <a:p>
+            <a:r>
+              <a:rPr lang="en-US" dirty="0"/>
+              <a:t>Krit </a:t>
+            </a:r>
+            <a:r>
+              <a:rPr lang="en-US" dirty="0" err="1"/>
+              <a:t>Ittisomboon</a:t>
+            </a:r>
+            <a:endParaRPr lang="en-US" dirty="0"/>
+          </a:p>
+          <a:p>
+            <a:r>
+              <a:rPr lang="en-US" dirty="0">
+                <a:hlinkClick r:id="rId2"/>
+              </a:rPr>
+              <a:t>66011042@kmitl.ac.th</a:t>
+            </a:r>
+            <a:endParaRPr lang="en-US" dirty="0"/>
+          </a:p>
+          <a:p>
+            <a:r>
+              <a:rPr lang="en-US" dirty="0"/>
+              <a:t>GitHub: </a:t>
+            </a:r>
+            <a:r>
+              <a:rPr lang="en-US" dirty="0">
+                <a:hlinkClick r:id="rId3"/>
+              </a:rPr>
+              <a:t>https://github.com/krithymn/ATMCODE.git</a:t>
+            </a:r>
+            <a:endParaRPr lang="en-US" dirty="0"/>
+          </a:p>
+          <a:p>
+            <a:endParaRPr lang="en-US" dirty="0"/>
+          </a:p>
+          <a:p>
+            <a:r>
+              <a:rPr lang="en-US" dirty="0"/>
+              <a:t>Thank You !</a:t>
+            </a:r>
+          </a:p>
+          <a:p>
+            <a:endParaRPr lang="en-US" dirty="0"/>
+          </a:p>
+        </p:txBody>
+      </p:sp>
+    </p:spTree>
+    <p:extLst>
+      <p:ext uri="{BB962C8B-B14F-4D97-AF65-F5344CB8AC3E}">
+        <p14:creationId xmlns:p14="http://schemas.microsoft.com/office/powerpoint/2010/main" val="51268494"/>
+      </p:ext>
+    </p:extLst>
+  </p:cSld>
+  <p:clrMapOvr>
+    <a:masterClrMapping/>
+  </p:clrMapOvr>
+</p:sld>
+</file>
+
+<file path=ppt/slides/slide2.xml><?xml version="1.0" encoding="utf-8"?>
 <p:sld xmlns:a="http://schemas.openxmlformats.org/drawingml/2006/main" xmlns:r="http://schemas.openxmlformats.org/officeDocument/2006/relationships" xmlns:p="http://schemas.openxmlformats.org/presentationml/2006/main">
   <p:cSld>
     <p:spTree>
@@ -4824,13 +5775,13 @@
           <a:lstStyle/>
           <a:p>
             <a:r>
-              <a:rPr lang="en-US" altLang="ja-JP" dirty="0">
-                <a:latin typeface="Arial Black" panose="020B0A04020102020204" pitchFamily="34" charset="0"/>
+              <a:rPr lang="en-US" altLang="ja-JP" sz="4000" b="1" i="1" dirty="0">
+                <a:latin typeface="Montserrat" pitchFamily="2" charset="0"/>
               </a:rPr>
               <a:t>Introduction</a:t>
             </a:r>
-            <a:endParaRPr kumimoji="1" lang="ja-JP" altLang="en-US" dirty="0">
-              <a:latin typeface="Arial Black" panose="020B0A04020102020204" pitchFamily="34" charset="0"/>
+            <a:endParaRPr kumimoji="1" lang="ja-JP" altLang="en-US" sz="4000" b="1" i="1" dirty="0">
+              <a:latin typeface="Montserrat" pitchFamily="2" charset="0"/>
             </a:endParaRPr>
           </a:p>
         </p:txBody>
@@ -4859,7 +5810,7 @@
             <a:fld id="{1E188E5C-A572-468D-8598-CE214D70D8BB}" type="slidenum">
               <a:rPr kumimoji="1" lang="ja-JP" altLang="en-US" smtClean="0"/>
               <a:pPr/>
-              <a:t>3</a:t>
+              <a:t>2</a:t>
             </a:fld>
             <a:endParaRPr kumimoji="1" lang="ja-JP" altLang="en-US" dirty="0"/>
           </a:p>
@@ -4880,7 +5831,7 @@
         <p:spPr>
           <a:xfrm>
             <a:off x="0" y="1788910"/>
-            <a:ext cx="6096000" cy="3970318"/>
+            <a:ext cx="6096000" cy="4247317"/>
           </a:xfrm>
           <a:prstGeom prst="rect">
             <a:avLst/>
@@ -4894,47 +5845,33 @@
           <a:lstStyle/>
           <a:p>
             <a:r>
-              <a:rPr lang="en-US" b="1" dirty="0">
-                <a:latin typeface="Bahnschrift" panose="020B0502040204020203" pitchFamily="34" charset="0"/>
-              </a:rPr>
+              <a:rPr lang="en-US" b="1" dirty="0"/>
               <a:t>Thailand</a:t>
             </a:r>
             <a:r>
-              <a:rPr lang="en-US" dirty="0">
-                <a:latin typeface="Bahnschrift" panose="020B0502040204020203" pitchFamily="34" charset="0"/>
-              </a:rPr>
+              <a:rPr lang="en-US" dirty="0"/>
               <a:t> is one of Southeast Asia’s major aviation hubs, with </a:t>
             </a:r>
             <a:r>
-              <a:rPr lang="en-US" b="1" dirty="0">
-                <a:latin typeface="Bahnschrift" panose="020B0502040204020203" pitchFamily="34" charset="0"/>
-              </a:rPr>
+              <a:rPr lang="en-US" b="1" dirty="0"/>
               <a:t>Suvarnabhumi Airport (VTBS)</a:t>
             </a:r>
             <a:r>
-              <a:rPr lang="en-US" dirty="0">
-                <a:latin typeface="Bahnschrift" panose="020B0502040204020203" pitchFamily="34" charset="0"/>
-              </a:rPr>
+              <a:rPr lang="en-US" dirty="0"/>
               <a:t> in Bangkok serving as the primary international gateway. Each day, VTBS handles hundreds of domestic and international flights.</a:t>
             </a:r>
           </a:p>
           <a:p>
-            <a:endParaRPr lang="en-US" dirty="0">
-              <a:latin typeface="Bahnschrift" panose="020B0502040204020203" pitchFamily="34" charset="0"/>
-            </a:endParaRPr>
-          </a:p>
-          <a:p>
-            <a:r>
-              <a:rPr lang="en-US" dirty="0">
-                <a:latin typeface="Bahnschrift" panose="020B0502040204020203" pitchFamily="34" charset="0"/>
-              </a:rPr>
+            <a:endParaRPr lang="en-US" dirty="0"/>
+          </a:p>
+          <a:p>
+            <a:r>
+              <a:rPr lang="en-US" dirty="0"/>
               <a:t>However, Thailand's tropical climate often causes weather-related disruptions. Thunderstorms and heavy rainfall can significantly impact flight paths and air traffic flow.</a:t>
             </a:r>
           </a:p>
           <a:p>
-            <a:endParaRPr lang="en-US" dirty="0">
-              <a:latin typeface="Bahnschrift" panose="020B0502040204020203" pitchFamily="34" charset="0"/>
-            </a:endParaRPr>
+            <a:endParaRPr lang="en-US" dirty="0"/>
           </a:p>
           <a:p>
             <a:pPr marL="285750" indent="-285750">
@@ -4942,28 +5879,20 @@
               <a:buChar char="Ø"/>
             </a:pPr>
             <a:r>
-              <a:rPr lang="en-US" dirty="0">
-                <a:latin typeface="Bahnschrift" panose="020B0502040204020203" pitchFamily="34" charset="0"/>
-              </a:rPr>
+              <a:rPr lang="en-US" dirty="0"/>
               <a:t>This project explores how weather conditions influence flight routes around </a:t>
             </a:r>
             <a:r>
-              <a:rPr lang="en-US" b="1" dirty="0">
-                <a:latin typeface="Bahnschrift" panose="020B0502040204020203" pitchFamily="34" charset="0"/>
-              </a:rPr>
+              <a:rPr lang="en-US" b="1" dirty="0"/>
               <a:t>VTBS</a:t>
             </a:r>
             <a:r>
-              <a:rPr lang="en-US" dirty="0">
-                <a:latin typeface="Bahnschrift" panose="020B0502040204020203" pitchFamily="34" charset="0"/>
-              </a:rPr>
+              <a:rPr lang="en-US" dirty="0"/>
               <a:t> using real flight and weather data.</a:t>
             </a:r>
           </a:p>
           <a:p>
-            <a:endParaRPr lang="en-US" dirty="0">
-              <a:latin typeface="Bahnschrift" panose="020B0502040204020203" pitchFamily="34" charset="0"/>
-            </a:endParaRPr>
+            <a:endParaRPr lang="en-US" dirty="0"/>
           </a:p>
         </p:txBody>
       </p:sp>
@@ -5027,7 +5956,7 @@
 </p:sld>
 </file>
 
-<file path=ppt/slides/slide4.xml><?xml version="1.0" encoding="utf-8"?>
+<file path=ppt/slides/slide3.xml><?xml version="1.0" encoding="utf-8"?>
 <p:sld xmlns:a="http://schemas.openxmlformats.org/drawingml/2006/main" xmlns:r="http://schemas.openxmlformats.org/officeDocument/2006/relationships" xmlns:p="http://schemas.openxmlformats.org/presentationml/2006/main">
   <p:cSld>
     <p:spTree>
@@ -5077,14 +6006,10 @@
           <a:lstStyle/>
           <a:p>
             <a:r>
-              <a:rPr lang="en-US" altLang="ja-JP" dirty="0">
-                <a:latin typeface="Arial Black" panose="020B0A04020102020204" pitchFamily="34" charset="0"/>
-              </a:rPr>
+              <a:rPr lang="en-US" altLang="ja-JP" sz="4000" b="1" i="1" dirty="0"/>
               <a:t>Background</a:t>
             </a:r>
-            <a:endParaRPr kumimoji="1" lang="ja-JP" altLang="en-US" dirty="0">
-              <a:latin typeface="Arial Black" panose="020B0A04020102020204" pitchFamily="34" charset="0"/>
-            </a:endParaRPr>
+            <a:endParaRPr kumimoji="1" lang="ja-JP" altLang="en-US" sz="4000" b="1" i="1" dirty="0"/>
           </a:p>
         </p:txBody>
       </p:sp>
@@ -5112,7 +6037,7 @@
             <a:fld id="{1E188E5C-A572-468D-8598-CE214D70D8BB}" type="slidenum">
               <a:rPr kumimoji="1" lang="ja-JP" altLang="en-US" smtClean="0"/>
               <a:pPr/>
-              <a:t>4</a:t>
+              <a:t>3</a:t>
             </a:fld>
             <a:endParaRPr kumimoji="1" lang="ja-JP" altLang="en-US" dirty="0"/>
           </a:p>
@@ -5133,7 +6058,7 @@
         <p:spPr>
           <a:xfrm>
             <a:off x="85710" y="1929769"/>
-            <a:ext cx="6096000" cy="3416320"/>
+            <a:ext cx="6096000" cy="3693319"/>
           </a:xfrm>
           <a:prstGeom prst="rect">
             <a:avLst/>
@@ -5151,27 +6076,19 @@
               <a:buChar char="Ø"/>
             </a:pPr>
             <a:r>
-              <a:rPr lang="en-US" b="1" dirty="0">
-                <a:latin typeface="Bahnschrift" panose="020B0502040204020203" pitchFamily="34" charset="0"/>
-              </a:rPr>
+              <a:rPr lang="en-US" b="1" dirty="0"/>
               <a:t>Suvarnabhumi Airport (VTBS)</a:t>
             </a:r>
             <a:r>
-              <a:rPr lang="en-US" dirty="0">
-                <a:latin typeface="Bahnschrift" panose="020B0502040204020203" pitchFamily="34" charset="0"/>
-              </a:rPr>
+              <a:rPr lang="en-US" dirty="0"/>
               <a:t> is Thailand’s main international gateway, handling over </a:t>
             </a:r>
             <a:r>
-              <a:rPr lang="en-US" b="1" dirty="0">
-                <a:latin typeface="Bahnschrift" panose="020B0502040204020203" pitchFamily="34" charset="0"/>
-              </a:rPr>
+              <a:rPr lang="en-US" b="1" dirty="0"/>
               <a:t>800 flights daily</a:t>
             </a:r>
             <a:r>
-              <a:rPr lang="en-US" dirty="0">
-                <a:latin typeface="Bahnschrift" panose="020B0502040204020203" pitchFamily="34" charset="0"/>
-              </a:rPr>
+              <a:rPr lang="en-US" dirty="0"/>
               <a:t>, both domestic and international.</a:t>
             </a:r>
           </a:p>
@@ -5180,9 +6097,7 @@
               <a:buFont typeface="Wingdings" panose="05000000000000000000" pitchFamily="2" charset="2"/>
               <a:buChar char="Ø"/>
             </a:pPr>
-            <a:endParaRPr lang="en-US" dirty="0">
-              <a:latin typeface="Bahnschrift" panose="020B0502040204020203" pitchFamily="34" charset="0"/>
-            </a:endParaRPr>
+            <a:endParaRPr lang="en-US" dirty="0"/>
           </a:p>
           <a:p>
             <a:pPr marL="285750" indent="-285750">
@@ -5190,28 +6105,20 @@
               <a:buChar char="Ø"/>
             </a:pPr>
             <a:r>
-              <a:rPr lang="en-US" dirty="0">
-                <a:latin typeface="Bahnschrift" panose="020B0502040204020203" pitchFamily="34" charset="0"/>
-              </a:rPr>
+              <a:rPr lang="en-US" dirty="0"/>
               <a:t>As Thailand continues to grow as a tourism and business hub, </a:t>
             </a:r>
             <a:r>
-              <a:rPr lang="en-US" b="1" dirty="0">
-                <a:latin typeface="Bahnschrift" panose="020B0502040204020203" pitchFamily="34" charset="0"/>
-              </a:rPr>
+              <a:rPr lang="en-US" b="1" dirty="0"/>
               <a:t>air traffic congestion </a:t>
             </a:r>
             <a:r>
-              <a:rPr lang="en-US" dirty="0">
-                <a:latin typeface="Bahnschrift" panose="020B0502040204020203" pitchFamily="34" charset="0"/>
-              </a:rPr>
+              <a:rPr lang="en-US" dirty="0"/>
               <a:t>has become more common—especially during peak hours.</a:t>
             </a:r>
           </a:p>
           <a:p>
-            <a:endParaRPr lang="en-US" dirty="0">
-              <a:latin typeface="Bahnschrift" panose="020B0502040204020203" pitchFamily="34" charset="0"/>
-            </a:endParaRPr>
+            <a:endParaRPr lang="en-US" dirty="0"/>
           </a:p>
           <a:p>
             <a:pPr marL="285750" indent="-285750">
@@ -5219,52 +6126,36 @@
               <a:buChar char="Ø"/>
             </a:pPr>
             <a:r>
-              <a:rPr lang="en-US" dirty="0">
-                <a:latin typeface="Bahnschrift" panose="020B0502040204020203" pitchFamily="34" charset="0"/>
-              </a:rPr>
+              <a:rPr lang="en-US" dirty="0"/>
               <a:t>Weather conditions like storms and heavy rain often lead to </a:t>
             </a:r>
             <a:r>
-              <a:rPr lang="en-US" b="1" dirty="0">
-                <a:latin typeface="Bahnschrift" panose="020B0502040204020203" pitchFamily="34" charset="0"/>
-              </a:rPr>
+              <a:rPr lang="en-US" b="1" dirty="0"/>
               <a:t>route changes</a:t>
             </a:r>
             <a:r>
-              <a:rPr lang="en-US" dirty="0">
-                <a:latin typeface="Bahnschrift" panose="020B0502040204020203" pitchFamily="34" charset="0"/>
-              </a:rPr>
+              <a:rPr lang="en-US" dirty="0"/>
               <a:t>, </a:t>
             </a:r>
             <a:r>
-              <a:rPr lang="en-US" b="1" dirty="0">
-                <a:latin typeface="Bahnschrift" panose="020B0502040204020203" pitchFamily="34" charset="0"/>
-              </a:rPr>
+              <a:rPr lang="en-US" b="1" dirty="0"/>
               <a:t>holding patterns</a:t>
             </a:r>
             <a:r>
-              <a:rPr lang="en-US" dirty="0">
-                <a:latin typeface="Bahnschrift" panose="020B0502040204020203" pitchFamily="34" charset="0"/>
-              </a:rPr>
+              <a:rPr lang="en-US" dirty="0"/>
               <a:t>, or even </a:t>
             </a:r>
             <a:r>
-              <a:rPr lang="en-US" b="1" dirty="0">
-                <a:latin typeface="Bahnschrift" panose="020B0502040204020203" pitchFamily="34" charset="0"/>
-              </a:rPr>
+              <a:rPr lang="en-US" b="1" dirty="0"/>
               <a:t>delays</a:t>
             </a:r>
             <a:r>
-              <a:rPr lang="en-US" dirty="0">
-                <a:latin typeface="Bahnschrift" panose="020B0502040204020203" pitchFamily="34" charset="0"/>
-              </a:rPr>
+              <a:rPr lang="en-US" dirty="0"/>
               <a:t>, making air traffic management more complex.</a:t>
             </a:r>
           </a:p>
           <a:p>
-            <a:endParaRPr lang="en-US" dirty="0">
-              <a:latin typeface="Arial Rounded MT Bold" panose="020F0704030504030204" pitchFamily="34" charset="0"/>
-            </a:endParaRPr>
+            <a:endParaRPr lang="en-US" dirty="0"/>
           </a:p>
         </p:txBody>
       </p:sp>
@@ -5328,7 +6219,7 @@
 </p:sld>
 </file>
 
-<file path=ppt/slides/slide5.xml><?xml version="1.0" encoding="utf-8"?>
+<file path=ppt/slides/slide4.xml><?xml version="1.0" encoding="utf-8"?>
 <p:sld xmlns:a="http://schemas.openxmlformats.org/drawingml/2006/main" xmlns:r="http://schemas.openxmlformats.org/officeDocument/2006/relationships" xmlns:p="http://schemas.openxmlformats.org/presentationml/2006/main">
   <p:cSld>
     <p:spTree>
@@ -5336,7 +6227,7 @@
         <p:cNvPr id="1" name="">
           <a:extLst>
             <a:ext uri="{FF2B5EF4-FFF2-40B4-BE49-F238E27FC236}">
-              <a16:creationId xmlns:a16="http://schemas.microsoft.com/office/drawing/2014/main" id="{87CDD9D3-4D47-DBC0-908B-86043E22CFED}"/>
+              <a16:creationId xmlns:a16="http://schemas.microsoft.com/office/drawing/2014/main" id="{A44F4E1F-FDC1-8754-5C78-F6DB9C5B8498}"/>
             </a:ext>
           </a:extLst>
         </p:cNvPr>
@@ -5356,7 +6247,7 @@
           <p:cNvPr id="2" name="タイトル 1">
             <a:extLst>
               <a:ext uri="{FF2B5EF4-FFF2-40B4-BE49-F238E27FC236}">
-                <a16:creationId xmlns:a16="http://schemas.microsoft.com/office/drawing/2014/main" id="{9E947695-5C8B-6CE2-62E2-EA21044CB31E}"/>
+                <a16:creationId xmlns:a16="http://schemas.microsoft.com/office/drawing/2014/main" id="{EDCE7AEE-0835-8E26-7FBC-776F6BCA5D32}"/>
               </a:ext>
             </a:extLst>
           </p:cNvPr>
@@ -5378,14 +6269,10 @@
           <a:lstStyle/>
           <a:p>
             <a:r>
-              <a:rPr lang="en-US" altLang="ja-JP" dirty="0">
-                <a:latin typeface="Arial Black" panose="020B0A04020102020204" pitchFamily="34" charset="0"/>
-              </a:rPr>
-              <a:t>Purpose</a:t>
-            </a:r>
-            <a:endParaRPr kumimoji="1" lang="ja-JP" altLang="en-US" dirty="0">
-              <a:latin typeface="Arial Black" panose="020B0A04020102020204" pitchFamily="34" charset="0"/>
-            </a:endParaRPr>
+              <a:rPr lang="en-US" altLang="ja-JP" sz="4000" b="1" i="1" dirty="0"/>
+              <a:t>Problem</a:t>
+            </a:r>
+            <a:endParaRPr kumimoji="1" lang="ja-JP" altLang="en-US" sz="4000" b="1" i="1" dirty="0"/>
           </a:p>
         </p:txBody>
       </p:sp>
@@ -5394,7 +6281,7 @@
           <p:cNvPr id="3" name="スライド番号プレースホルダー 2">
             <a:extLst>
               <a:ext uri="{FF2B5EF4-FFF2-40B4-BE49-F238E27FC236}">
-                <a16:creationId xmlns:a16="http://schemas.microsoft.com/office/drawing/2014/main" id="{9C5C6B94-FCC6-3AF6-CC0F-F03663B8117B}"/>
+                <a16:creationId xmlns:a16="http://schemas.microsoft.com/office/drawing/2014/main" id="{D466EADB-F4B1-AE7F-68AD-28F654AF5F3A}"/>
               </a:ext>
             </a:extLst>
           </p:cNvPr>
@@ -5413,7 +6300,7 @@
             <a:fld id="{1E188E5C-A572-468D-8598-CE214D70D8BB}" type="slidenum">
               <a:rPr kumimoji="1" lang="ja-JP" altLang="en-US" smtClean="0"/>
               <a:pPr/>
-              <a:t>5</a:t>
+              <a:t>4</a:t>
             </a:fld>
             <a:endParaRPr kumimoji="1" lang="ja-JP" altLang="en-US" dirty="0"/>
           </a:p>
@@ -5424,7 +6311,7 @@
           <p:cNvPr id="5" name="TextBox 4">
             <a:extLst>
               <a:ext uri="{FF2B5EF4-FFF2-40B4-BE49-F238E27FC236}">
-                <a16:creationId xmlns:a16="http://schemas.microsoft.com/office/drawing/2014/main" id="{DD67B1C3-2A72-00B0-0B38-ABB5B0403E21}"/>
+                <a16:creationId xmlns:a16="http://schemas.microsoft.com/office/drawing/2014/main" id="{22713D3F-2431-56A0-2DB4-A0D87D2B7D8C}"/>
               </a:ext>
             </a:extLst>
           </p:cNvPr>
@@ -5433,7 +6320,7 @@
         </p:nvSpPr>
         <p:spPr>
           <a:xfrm>
-            <a:off x="0" y="1647934"/>
+            <a:off x="0" y="1650410"/>
             <a:ext cx="6096000" cy="4247317"/>
           </a:xfrm>
           <a:prstGeom prst="rect">
@@ -5448,172 +6335,430 @@
           <a:lstStyle/>
           <a:p>
             <a:r>
-              <a:rPr lang="en-US" dirty="0">
-                <a:latin typeface="Bahnschrift" panose="020B0502040204020203" pitchFamily="34" charset="0"/>
-              </a:rPr>
-              <a:t>By Analyzing the relationship between weather and air traffic around </a:t>
-            </a:r>
-            <a:r>
-              <a:rPr lang="en-US" b="1" dirty="0">
-                <a:latin typeface="Bahnschrift" panose="020B0502040204020203" pitchFamily="34" charset="0"/>
-              </a:rPr>
-              <a:t>VTBS (Suvarnabhumi Airport).</a:t>
-            </a:r>
-          </a:p>
-          <a:p>
-            <a:endParaRPr lang="en-US" dirty="0">
-              <a:latin typeface="Bahnschrift" panose="020B0502040204020203" pitchFamily="34" charset="0"/>
-            </a:endParaRPr>
-          </a:p>
-          <a:p>
-            <a:r>
-              <a:rPr lang="en-US" dirty="0">
-                <a:latin typeface="Bahnschrift" panose="020B0502040204020203" pitchFamily="34" charset="0"/>
-              </a:rPr>
-              <a:t>By collecting </a:t>
-            </a:r>
-            <a:r>
-              <a:rPr lang="en-US" b="1" dirty="0">
-                <a:latin typeface="Bahnschrift" panose="020B0502040204020203" pitchFamily="34" charset="0"/>
-              </a:rPr>
-              <a:t>real flight data </a:t>
-            </a:r>
-            <a:r>
-              <a:rPr lang="en-US" dirty="0">
-                <a:latin typeface="Bahnschrift" panose="020B0502040204020203" pitchFamily="34" charset="0"/>
-              </a:rPr>
-              <a:t>and </a:t>
-            </a:r>
-            <a:r>
-              <a:rPr lang="en-US" b="1" dirty="0">
-                <a:latin typeface="Bahnschrift" panose="020B0502040204020203" pitchFamily="34" charset="0"/>
-              </a:rPr>
-              <a:t>weather echo data</a:t>
-            </a:r>
-            <a:r>
-              <a:rPr lang="en-US" dirty="0">
-                <a:latin typeface="Bahnschrift" panose="020B0502040204020203" pitchFamily="34" charset="0"/>
-              </a:rPr>
-              <a:t>, we aim to:</a:t>
-            </a:r>
-          </a:p>
-          <a:p>
-            <a:endParaRPr lang="en-US" dirty="0">
-              <a:latin typeface="Bahnschrift" panose="020B0502040204020203" pitchFamily="34" charset="0"/>
-            </a:endParaRPr>
+              <a:rPr lang="en-US" b="1" i="1" dirty="0"/>
+              <a:t>Bangkok Air Traffic Challenge</a:t>
+            </a:r>
+          </a:p>
+          <a:p>
+            <a:endParaRPr lang="en-US" dirty="0"/>
           </a:p>
           <a:p>
             <a:pPr marL="285750" indent="-285750">
               <a:buFont typeface="Wingdings" panose="05000000000000000000" pitchFamily="2" charset="2"/>
-              <a:buChar char="ü"/>
-            </a:pPr>
-            <a:r>
-              <a:rPr lang="en-US" dirty="0">
-                <a:latin typeface="Bahnschrift" panose="020B0502040204020203" pitchFamily="34" charset="0"/>
-              </a:rPr>
-              <a:t>Understand how flights are rerouted during </a:t>
-            </a:r>
-            <a:r>
-              <a:rPr lang="en-US" b="1" dirty="0">
-                <a:latin typeface="Bahnschrift" panose="020B0502040204020203" pitchFamily="34" charset="0"/>
-              </a:rPr>
-              <a:t>bad weather</a:t>
-            </a:r>
-          </a:p>
-          <a:p>
-            <a:endParaRPr lang="en-US" dirty="0">
-              <a:latin typeface="Bahnschrift" panose="020B0502040204020203" pitchFamily="34" charset="0"/>
-            </a:endParaRPr>
+              <a:buChar char="Ø"/>
+            </a:pPr>
+            <a:r>
+              <a:rPr lang="en-US" b="1" dirty="0"/>
+              <a:t>Suvarnabhumi Airport (VTBS)</a:t>
+            </a:r>
+          </a:p>
+          <a:p>
+            <a:pPr marL="742950" lvl="1" indent="-285750">
+              <a:buFont typeface="Arial" panose="020B0604020202020204" pitchFamily="34" charset="0"/>
+              <a:buChar char="•"/>
+            </a:pPr>
+            <a:r>
+              <a:rPr lang="en-US" dirty="0"/>
+              <a:t>65 million passengers/year</a:t>
+            </a:r>
+          </a:p>
+          <a:p>
+            <a:pPr marL="742950" lvl="1" indent="-285750">
+              <a:buFont typeface="Arial" panose="020B0604020202020204" pitchFamily="34" charset="0"/>
+              <a:buChar char="•"/>
+            </a:pPr>
+            <a:r>
+              <a:rPr lang="en-US" dirty="0"/>
+              <a:t>300,000++ flights annually</a:t>
+            </a:r>
+          </a:p>
+          <a:p>
+            <a:pPr lvl="1"/>
+            <a:endParaRPr lang="en-US" dirty="0"/>
           </a:p>
           <a:p>
             <a:pPr marL="285750" indent="-285750">
               <a:buFont typeface="Wingdings" panose="05000000000000000000" pitchFamily="2" charset="2"/>
-              <a:buChar char="ü"/>
-            </a:pPr>
-            <a:r>
-              <a:rPr lang="en-US" b="1" dirty="0">
-                <a:latin typeface="Bahnschrift" panose="020B0502040204020203" pitchFamily="34" charset="0"/>
-              </a:rPr>
-              <a:t>Identify patterns in air traffic </a:t>
-            </a:r>
-            <a:r>
-              <a:rPr lang="en-US" dirty="0">
-                <a:latin typeface="Bahnschrift" panose="020B0502040204020203" pitchFamily="34" charset="0"/>
-              </a:rPr>
-              <a:t>affected by storms or heavy rainfall</a:t>
-            </a:r>
-          </a:p>
-          <a:p>
-            <a:endParaRPr lang="en-US" dirty="0">
-              <a:latin typeface="Bahnschrift" panose="020B0502040204020203" pitchFamily="34" charset="0"/>
-            </a:endParaRPr>
+              <a:buChar char="Ø"/>
+            </a:pPr>
+            <a:r>
+              <a:rPr lang="en-US" b="1" dirty="0"/>
+              <a:t>Weather Problems:</a:t>
+            </a:r>
+          </a:p>
+          <a:p>
+            <a:pPr marL="742950" lvl="1" indent="-285750">
+              <a:buFont typeface="Arial" panose="020B0604020202020204" pitchFamily="34" charset="0"/>
+              <a:buChar char="•"/>
+            </a:pPr>
+            <a:r>
+              <a:rPr lang="en-US" dirty="0"/>
+              <a:t>Frequent Thunderstorms (May-October)</a:t>
+            </a:r>
+          </a:p>
+          <a:p>
+            <a:pPr marL="742950" lvl="1" indent="-285750">
+              <a:buFont typeface="Arial" panose="020B0604020202020204" pitchFamily="34" charset="0"/>
+              <a:buChar char="•"/>
+            </a:pPr>
+            <a:r>
+              <a:rPr lang="en-US" dirty="0"/>
+              <a:t>Sudden Weather Changes</a:t>
+            </a:r>
+          </a:p>
+          <a:p>
+            <a:pPr marL="742950" lvl="1" indent="-285750">
+              <a:buFont typeface="Arial" panose="020B0604020202020204" pitchFamily="34" charset="0"/>
+              <a:buChar char="•"/>
+            </a:pPr>
+            <a:r>
+              <a:rPr lang="en-US" dirty="0"/>
+              <a:t>Safety VS Efficiency Decisions</a:t>
+            </a:r>
+          </a:p>
+          <a:p>
+            <a:pPr lvl="1"/>
+            <a:endParaRPr lang="en-US" dirty="0"/>
           </a:p>
           <a:p>
             <a:pPr marL="285750" indent="-285750">
               <a:buFont typeface="Wingdings" panose="05000000000000000000" pitchFamily="2" charset="2"/>
-              <a:buChar char="ü"/>
-            </a:pPr>
-            <a:r>
-              <a:rPr lang="en-US" dirty="0">
-                <a:latin typeface="Bahnschrift" panose="020B0502040204020203" pitchFamily="34" charset="0"/>
-              </a:rPr>
-              <a:t>Explore possibilities </a:t>
-            </a:r>
-            <a:r>
-              <a:rPr lang="en-US" b="1" dirty="0">
-                <a:latin typeface="Bahnschrift" panose="020B0502040204020203" pitchFamily="34" charset="0"/>
-              </a:rPr>
-              <a:t>for improving air traffic management</a:t>
-            </a:r>
-            <a:r>
-              <a:rPr lang="en-US" dirty="0">
-                <a:latin typeface="Bahnschrift" panose="020B0502040204020203" pitchFamily="34" charset="0"/>
-              </a:rPr>
-              <a:t> using data-driven insights</a:t>
-            </a:r>
-          </a:p>
-          <a:p>
-            <a:endParaRPr lang="en-US" dirty="0">
-              <a:latin typeface="Arial Rounded MT Bold" panose="020F0704030504030204" pitchFamily="34" charset="0"/>
-            </a:endParaRPr>
+              <a:buChar char="Ø"/>
+            </a:pPr>
+            <a:r>
+              <a:rPr lang="en-US" b="1" dirty="0"/>
+              <a:t>What we learn:</a:t>
+            </a:r>
+          </a:p>
+          <a:p>
+            <a:pPr marL="742950" lvl="1" indent="-285750">
+              <a:buFont typeface="Arial" panose="020B0604020202020204" pitchFamily="34" charset="0"/>
+              <a:buChar char="•"/>
+            </a:pPr>
+            <a:r>
+              <a:rPr lang="en-US" dirty="0"/>
+              <a:t>How pilots avoid weather ?</a:t>
+            </a:r>
+          </a:p>
+          <a:p>
+            <a:pPr marL="742950" lvl="1" indent="-285750">
+              <a:buFont typeface="Arial" panose="020B0604020202020204" pitchFamily="34" charset="0"/>
+              <a:buChar char="•"/>
+            </a:pPr>
+            <a:r>
+              <a:rPr lang="en-US" dirty="0"/>
+              <a:t>Does wind direction affect decisions ?</a:t>
+            </a:r>
+          </a:p>
+          <a:p>
+            <a:pPr marL="742950" lvl="1" indent="-285750">
+              <a:buFont typeface="Arial" panose="020B0604020202020204" pitchFamily="34" charset="0"/>
+              <a:buChar char="•"/>
+            </a:pPr>
+            <a:r>
+              <a:rPr lang="en-US" dirty="0"/>
+              <a:t>When do pilot deviate ?</a:t>
+            </a:r>
           </a:p>
         </p:txBody>
       </p:sp>
       <p:pic>
         <p:nvPicPr>
-          <p:cNvPr id="6" name="Picture 5">
-            <a:extLst>
-              <a:ext uri="{FF2B5EF4-FFF2-40B4-BE49-F238E27FC236}">
-                <a16:creationId xmlns:a16="http://schemas.microsoft.com/office/drawing/2014/main" id="{4780FA8D-E321-C47F-D56A-B11007BF12BD}"/>
+          <p:cNvPr id="1028" name="Picture 4" descr="Navigating Bangkok's Suvarnabhumi Airport: Ultimate Guide for a Seamless  Journey » Agoda: See The World For Less">
+            <a:extLst>
+              <a:ext uri="{FF2B5EF4-FFF2-40B4-BE49-F238E27FC236}">
+                <a16:creationId xmlns:a16="http://schemas.microsoft.com/office/drawing/2014/main" id="{310A3820-EFF9-8F4A-7725-A6CEA4DBD808}"/>
               </a:ext>
             </a:extLst>
           </p:cNvPr>
           <p:cNvPicPr>
-            <a:picLocks noChangeAspect="1"/>
+            <a:picLocks noChangeAspect="1" noChangeArrowheads="1"/>
           </p:cNvPicPr>
           <p:nvPr/>
         </p:nvPicPr>
         <p:blipFill>
-          <a:blip r:embed="rId2"/>
-          <a:srcRect l="21365" r="20931" b="20753"/>
+          <a:blip r:embed="rId2">
+            <a:extLst>
+              <a:ext uri="{28A0092B-C50C-407E-A947-70E740481C1C}">
+                <a14:useLocalDpi xmlns:a14="http://schemas.microsoft.com/office/drawing/2010/main" val="0"/>
+              </a:ext>
+            </a:extLst>
+          </a:blip>
+          <a:srcRect/>
           <a:stretch>
             <a:fillRect/>
           </a:stretch>
         </p:blipFill>
-        <p:spPr>
+        <p:spPr bwMode="auto">
           <a:xfrm>
-            <a:off x="5880265" y="1647934"/>
-            <a:ext cx="6311735" cy="4247317"/>
+            <a:off x="6096000" y="2133979"/>
+            <a:ext cx="5831431" cy="3280180"/>
           </a:xfrm>
           <a:prstGeom prst="rect">
             <a:avLst/>
           </a:prstGeom>
+          <a:noFill/>
+          <a:extLst>
+            <a:ext uri="{909E8E84-426E-40DD-AFC4-6F175D3DCCD1}">
+              <a14:hiddenFill xmlns:a14="http://schemas.microsoft.com/office/drawing/2010/main">
+                <a:solidFill>
+                  <a:srgbClr val="FFFFFF"/>
+                </a:solidFill>
+              </a14:hiddenFill>
+            </a:ext>
+          </a:extLst>
         </p:spPr>
       </p:pic>
     </p:spTree>
     <p:extLst>
       <p:ext uri="{BB962C8B-B14F-4D97-AF65-F5344CB8AC3E}">
-        <p14:creationId xmlns:p14="http://schemas.microsoft.com/office/powerpoint/2010/main" val="2587439353"/>
+        <p14:creationId xmlns:p14="http://schemas.microsoft.com/office/powerpoint/2010/main" val="1904262089"/>
+      </p:ext>
+    </p:extLst>
+  </p:cSld>
+  <p:clrMapOvr>
+    <a:masterClrMapping/>
+  </p:clrMapOvr>
+</p:sld>
+</file>
+
+<file path=ppt/slides/slide5.xml><?xml version="1.0" encoding="utf-8"?>
+<p:sld xmlns:a="http://schemas.openxmlformats.org/drawingml/2006/main" xmlns:r="http://schemas.openxmlformats.org/officeDocument/2006/relationships" xmlns:p="http://schemas.openxmlformats.org/presentationml/2006/main">
+  <p:cSld>
+    <p:spTree>
+      <p:nvGrpSpPr>
+        <p:cNvPr id="1" name="">
+          <a:extLst>
+            <a:ext uri="{FF2B5EF4-FFF2-40B4-BE49-F238E27FC236}">
+              <a16:creationId xmlns:a16="http://schemas.microsoft.com/office/drawing/2014/main" id="{A3E240D0-106E-D637-1EDD-12891294AB4C}"/>
+            </a:ext>
+          </a:extLst>
+        </p:cNvPr>
+        <p:cNvGrpSpPr/>
+        <p:nvPr/>
+      </p:nvGrpSpPr>
+      <p:grpSpPr>
+        <a:xfrm>
+          <a:off x="0" y="0"/>
+          <a:ext cx="0" cy="0"/>
+          <a:chOff x="0" y="0"/>
+          <a:chExt cx="0" cy="0"/>
+        </a:xfrm>
+      </p:grpSpPr>
+      <p:sp>
+        <p:nvSpPr>
+          <p:cNvPr id="2" name="タイトル 1">
+            <a:extLst>
+              <a:ext uri="{FF2B5EF4-FFF2-40B4-BE49-F238E27FC236}">
+                <a16:creationId xmlns:a16="http://schemas.microsoft.com/office/drawing/2014/main" id="{8F2C2671-51CA-0A13-B932-072866217EA4}"/>
+              </a:ext>
+            </a:extLst>
+          </p:cNvPr>
+          <p:cNvSpPr>
+            <a:spLocks noGrp="1"/>
+          </p:cNvSpPr>
+          <p:nvPr>
+            <p:ph type="title"/>
+          </p:nvPr>
+        </p:nvSpPr>
+        <p:spPr>
+          <a:xfrm>
+            <a:off x="803382" y="136524"/>
+            <a:ext cx="10369152" cy="442763"/>
+          </a:xfrm>
+        </p:spPr>
+        <p:txBody>
+          <a:bodyPr/>
+          <a:lstStyle/>
+          <a:p>
+            <a:r>
+              <a:rPr kumimoji="1" lang="en-US" altLang="ja-JP" sz="4000" b="1" i="1" dirty="0"/>
+              <a:t>Solution</a:t>
+            </a:r>
+            <a:endParaRPr kumimoji="1" lang="ja-JP" altLang="en-US" sz="4000" b="1" i="1" dirty="0"/>
+          </a:p>
+        </p:txBody>
+      </p:sp>
+      <p:sp>
+        <p:nvSpPr>
+          <p:cNvPr id="3" name="スライド番号プレースホルダー 2">
+            <a:extLst>
+              <a:ext uri="{FF2B5EF4-FFF2-40B4-BE49-F238E27FC236}">
+                <a16:creationId xmlns:a16="http://schemas.microsoft.com/office/drawing/2014/main" id="{B5743DF1-BC37-9929-DA2D-B89D6A5834B3}"/>
+              </a:ext>
+            </a:extLst>
+          </p:cNvPr>
+          <p:cNvSpPr>
+            <a:spLocks noGrp="1"/>
+          </p:cNvSpPr>
+          <p:nvPr>
+            <p:ph type="sldNum" sz="quarter" idx="12"/>
+          </p:nvPr>
+        </p:nvSpPr>
+        <p:spPr/>
+        <p:txBody>
+          <a:bodyPr/>
+          <a:lstStyle/>
+          <a:p>
+            <a:fld id="{1E188E5C-A572-468D-8598-CE214D70D8BB}" type="slidenum">
+              <a:rPr kumimoji="1" lang="ja-JP" altLang="en-US" smtClean="0"/>
+              <a:pPr/>
+              <a:t>5</a:t>
+            </a:fld>
+            <a:endParaRPr kumimoji="1" lang="ja-JP" altLang="en-US" dirty="0"/>
+          </a:p>
+        </p:txBody>
+      </p:sp>
+      <p:sp>
+        <p:nvSpPr>
+          <p:cNvPr id="5" name="TextBox 4">
+            <a:extLst>
+              <a:ext uri="{FF2B5EF4-FFF2-40B4-BE49-F238E27FC236}">
+                <a16:creationId xmlns:a16="http://schemas.microsoft.com/office/drawing/2014/main" id="{7944B161-974D-FDDC-1B4A-C1B24BF1F16F}"/>
+              </a:ext>
+            </a:extLst>
+          </p:cNvPr>
+          <p:cNvSpPr txBox="1"/>
+          <p:nvPr/>
+        </p:nvSpPr>
+        <p:spPr>
+          <a:xfrm>
+            <a:off x="85710" y="1929769"/>
+            <a:ext cx="7045384" cy="3693319"/>
+          </a:xfrm>
+          <a:prstGeom prst="rect">
+            <a:avLst/>
+          </a:prstGeom>
+          <a:noFill/>
+        </p:spPr>
+        <p:txBody>
+          <a:bodyPr wrap="square" rtlCol="0">
+            <a:spAutoFit/>
+          </a:bodyPr>
+          <a:lstStyle/>
+          <a:p>
+            <a:r>
+              <a:rPr lang="en-US" dirty="0"/>
+              <a:t>We created </a:t>
+            </a:r>
+            <a:r>
+              <a:rPr lang="en-US" b="1" i="1" dirty="0"/>
+              <a:t>Automated Weather Avoidance Analysis System</a:t>
+            </a:r>
+          </a:p>
+          <a:p>
+            <a:endParaRPr lang="en-US" dirty="0"/>
+          </a:p>
+          <a:p>
+            <a:pPr marL="285750" indent="-285750">
+              <a:buFont typeface="Wingdings" panose="05000000000000000000" pitchFamily="2" charset="2"/>
+              <a:buChar char="Ø"/>
+            </a:pPr>
+            <a:r>
+              <a:rPr lang="en-US" b="1" dirty="0"/>
+              <a:t>What does it do ?:</a:t>
+            </a:r>
+          </a:p>
+          <a:p>
+            <a:pPr marL="742950" lvl="1" indent="-285750">
+              <a:buFont typeface="Wingdings" panose="05000000000000000000" pitchFamily="2" charset="2"/>
+              <a:buChar char="ü"/>
+            </a:pPr>
+            <a:r>
+              <a:rPr lang="en-US" dirty="0"/>
+              <a:t>Track all flight arriving at Suvarnabhumi Airport (VTBS)</a:t>
+            </a:r>
+          </a:p>
+          <a:p>
+            <a:pPr marL="742950" lvl="1" indent="-285750">
+              <a:buFont typeface="Wingdings" panose="05000000000000000000" pitchFamily="2" charset="2"/>
+              <a:buChar char="ü"/>
+            </a:pPr>
+            <a:r>
+              <a:rPr lang="en-US" dirty="0"/>
+              <a:t>Analyzes real weather radar data</a:t>
+            </a:r>
+          </a:p>
+          <a:p>
+            <a:pPr marL="742950" lvl="1" indent="-285750">
+              <a:buFont typeface="Wingdings" panose="05000000000000000000" pitchFamily="2" charset="2"/>
+              <a:buChar char="ü"/>
+            </a:pPr>
+            <a:r>
+              <a:rPr lang="en-US" dirty="0"/>
+              <a:t>Measures avoidance behavior</a:t>
+            </a:r>
+          </a:p>
+          <a:p>
+            <a:pPr marL="742950" lvl="1" indent="-285750">
+              <a:buFont typeface="Wingdings" panose="05000000000000000000" pitchFamily="2" charset="2"/>
+              <a:buChar char="ü"/>
+            </a:pPr>
+            <a:r>
+              <a:rPr lang="en-US" dirty="0"/>
+              <a:t>Correlates with wind conditions</a:t>
+            </a:r>
+          </a:p>
+          <a:p>
+            <a:pPr lvl="1"/>
+            <a:endParaRPr lang="en-US" dirty="0"/>
+          </a:p>
+          <a:p>
+            <a:pPr marL="285750" indent="-285750">
+              <a:buFont typeface="Wingdings" panose="05000000000000000000" pitchFamily="2" charset="2"/>
+              <a:buChar char="Ø"/>
+            </a:pPr>
+            <a:r>
+              <a:rPr lang="en-US" b="1" dirty="0"/>
+              <a:t>Key Features Combining:</a:t>
+            </a:r>
+          </a:p>
+          <a:p>
+            <a:pPr marL="742950" lvl="1" indent="-285750">
+              <a:buFont typeface="Arial" panose="020B0604020202020204" pitchFamily="34" charset="0"/>
+              <a:buChar char="•"/>
+            </a:pPr>
+            <a:r>
+              <a:rPr lang="en-US" dirty="0"/>
+              <a:t>Real-Flight Positions </a:t>
+            </a:r>
+          </a:p>
+          <a:p>
+            <a:pPr marL="742950" lvl="1" indent="-285750">
+              <a:buFont typeface="Arial" panose="020B0604020202020204" pitchFamily="34" charset="0"/>
+              <a:buChar char="•"/>
+            </a:pPr>
+            <a:r>
+              <a:rPr lang="en-US" dirty="0"/>
+              <a:t>Actual Weather Data</a:t>
+            </a:r>
+          </a:p>
+          <a:p>
+            <a:pPr marL="742950" lvl="1" indent="-285750">
+              <a:buFont typeface="Arial" panose="020B0604020202020204" pitchFamily="34" charset="0"/>
+              <a:buChar char="•"/>
+            </a:pPr>
+            <a:r>
+              <a:rPr lang="en-US" dirty="0"/>
+              <a:t>Wind Conditions</a:t>
+            </a:r>
+          </a:p>
+          <a:p>
+            <a:pPr marL="742950" lvl="1" indent="-285750">
+              <a:buFont typeface="Arial" panose="020B0604020202020204" pitchFamily="34" charset="0"/>
+              <a:buChar char="•"/>
+            </a:pPr>
+            <a:r>
+              <a:rPr lang="en-US" dirty="0"/>
+              <a:t>Automated 24/7 analysis</a:t>
+            </a:r>
+          </a:p>
+        </p:txBody>
+      </p:sp>
+    </p:spTree>
+    <p:extLst>
+      <p:ext uri="{BB962C8B-B14F-4D97-AF65-F5344CB8AC3E}">
+        <p14:creationId xmlns:p14="http://schemas.microsoft.com/office/powerpoint/2010/main" val="3317500885"/>
       </p:ext>
     </p:extLst>
   </p:cSld>
@@ -5631,7 +6776,7 @@
         <p:cNvPr id="1" name="">
           <a:extLst>
             <a:ext uri="{FF2B5EF4-FFF2-40B4-BE49-F238E27FC236}">
-              <a16:creationId xmlns:a16="http://schemas.microsoft.com/office/drawing/2014/main" id="{63FFE46E-9245-D7E8-C0BA-BF69DE44D460}"/>
+              <a16:creationId xmlns:a16="http://schemas.microsoft.com/office/drawing/2014/main" id="{B6AEA474-EABF-D4CE-63A5-21CC33A6AA6F}"/>
             </a:ext>
           </a:extLst>
         </p:cNvPr>
@@ -5651,7 +6796,7 @@
           <p:cNvPr id="2" name="タイトル 1">
             <a:extLst>
               <a:ext uri="{FF2B5EF4-FFF2-40B4-BE49-F238E27FC236}">
-                <a16:creationId xmlns:a16="http://schemas.microsoft.com/office/drawing/2014/main" id="{7BBDF0A0-CA96-9466-76F5-2F4212847736}"/>
+                <a16:creationId xmlns:a16="http://schemas.microsoft.com/office/drawing/2014/main" id="{4041BB54-5F84-5EF7-94E0-181E0CC165DF}"/>
               </a:ext>
             </a:extLst>
           </p:cNvPr>
@@ -5673,14 +6818,10 @@
           <a:lstStyle/>
           <a:p>
             <a:r>
-              <a:rPr lang="en-US" altLang="ja-JP" dirty="0">
-                <a:latin typeface="Arial Black" panose="020B0A04020102020204" pitchFamily="34" charset="0"/>
-              </a:rPr>
-              <a:t>Data</a:t>
-            </a:r>
-            <a:endParaRPr kumimoji="1" lang="ja-JP" altLang="en-US" dirty="0">
-              <a:latin typeface="Arial Black" panose="020B0A04020102020204" pitchFamily="34" charset="0"/>
-            </a:endParaRPr>
+              <a:rPr kumimoji="1" lang="en-US" altLang="ja-JP" sz="4000" b="1" i="1" dirty="0"/>
+              <a:t>Data Sources</a:t>
+            </a:r>
+            <a:endParaRPr kumimoji="1" lang="ja-JP" altLang="en-US" sz="4000" b="1" i="1" dirty="0"/>
           </a:p>
         </p:txBody>
       </p:sp>
@@ -5689,7 +6830,7 @@
           <p:cNvPr id="3" name="スライド番号プレースホルダー 2">
             <a:extLst>
               <a:ext uri="{FF2B5EF4-FFF2-40B4-BE49-F238E27FC236}">
-                <a16:creationId xmlns:a16="http://schemas.microsoft.com/office/drawing/2014/main" id="{3D1ABB91-0430-88DD-7482-356CF1FC72A3}"/>
+                <a16:creationId xmlns:a16="http://schemas.microsoft.com/office/drawing/2014/main" id="{537EEE0E-8079-A2D8-D3A9-060462CCD165}"/>
               </a:ext>
             </a:extLst>
           </p:cNvPr>
@@ -5714,12 +6855,415 @@
           </a:p>
         </p:txBody>
       </p:sp>
-      <p:sp>
-        <p:nvSpPr>
-          <p:cNvPr id="5" name="TextBox 4">
-            <a:extLst>
-              <a:ext uri="{FF2B5EF4-FFF2-40B4-BE49-F238E27FC236}">
-                <a16:creationId xmlns:a16="http://schemas.microsoft.com/office/drawing/2014/main" id="{962DC1A7-173C-9448-BD71-3C4692025CBE}"/>
+      <p:graphicFrame>
+        <p:nvGraphicFramePr>
+          <p:cNvPr id="4" name="Table 3">
+            <a:extLst>
+              <a:ext uri="{FF2B5EF4-FFF2-40B4-BE49-F238E27FC236}">
+                <a16:creationId xmlns:a16="http://schemas.microsoft.com/office/drawing/2014/main" id="{46A59E9D-DFDE-F99D-E0AE-5473DE9909EF}"/>
+              </a:ext>
+            </a:extLst>
+          </p:cNvPr>
+          <p:cNvGraphicFramePr>
+            <a:graphicFrameLocks noGrp="1"/>
+          </p:cNvGraphicFramePr>
+          <p:nvPr>
+            <p:extLst>
+              <p:ext uri="{D42A27DB-BD31-4B8C-83A1-F6EECF244321}">
+                <p14:modId xmlns:p14="http://schemas.microsoft.com/office/powerpoint/2010/main" val="2947118876"/>
+              </p:ext>
+            </p:extLst>
+          </p:nvPr>
+        </p:nvGraphicFramePr>
+        <p:xfrm>
+          <a:off x="1557753" y="1436805"/>
+          <a:ext cx="9076494" cy="3984390"/>
+        </p:xfrm>
+        <a:graphic>
+          <a:graphicData uri="http://schemas.openxmlformats.org/drawingml/2006/table">
+            <a:tbl>
+              <a:tblPr firstRow="1" bandRow="1">
+                <a:tableStyleId>{5C22544A-7EE6-4342-B048-85BDC9FD1C3A}</a:tableStyleId>
+              </a:tblPr>
+              <a:tblGrid>
+                <a:gridCol w="3025498">
+                  <a:extLst>
+                    <a:ext uri="{9D8B030D-6E8A-4147-A177-3AD203B41FA5}">
+                      <a16:colId xmlns:a16="http://schemas.microsoft.com/office/drawing/2014/main" val="818247963"/>
+                    </a:ext>
+                  </a:extLst>
+                </a:gridCol>
+                <a:gridCol w="3025498">
+                  <a:extLst>
+                    <a:ext uri="{9D8B030D-6E8A-4147-A177-3AD203B41FA5}">
+                      <a16:colId xmlns:a16="http://schemas.microsoft.com/office/drawing/2014/main" val="3273643272"/>
+                    </a:ext>
+                  </a:extLst>
+                </a:gridCol>
+                <a:gridCol w="3025498">
+                  <a:extLst>
+                    <a:ext uri="{9D8B030D-6E8A-4147-A177-3AD203B41FA5}">
+                      <a16:colId xmlns:a16="http://schemas.microsoft.com/office/drawing/2014/main" val="1387149464"/>
+                    </a:ext>
+                  </a:extLst>
+                </a:gridCol>
+              </a:tblGrid>
+              <a:tr h="664065">
+                <a:tc>
+                  <a:txBody>
+                    <a:bodyPr/>
+                    <a:lstStyle/>
+                    <a:p>
+                      <a:pPr algn="ctr"/>
+                      <a:r>
+                        <a:rPr lang="en-US" sz="2000" dirty="0"/>
+                        <a:t>✈️ FLIGHT DATA</a:t>
+                      </a:r>
+                    </a:p>
+                  </a:txBody>
+                  <a:tcPr/>
+                </a:tc>
+                <a:tc>
+                  <a:txBody>
+                    <a:bodyPr/>
+                    <a:lstStyle/>
+                    <a:p>
+                      <a:pPr algn="ctr"/>
+                      <a:r>
+                        <a:rPr lang="en-US" sz="2000" dirty="0"/>
+                        <a:t>🌧️ WEATHER RADAR</a:t>
+                      </a:r>
+                    </a:p>
+                  </a:txBody>
+                  <a:tcPr/>
+                </a:tc>
+                <a:tc>
+                  <a:txBody>
+                    <a:bodyPr/>
+                    <a:lstStyle/>
+                    <a:p>
+                      <a:pPr algn="ctr"/>
+                      <a:r>
+                        <a:rPr lang="en-US" sz="2000" dirty="0"/>
+                        <a:t>🌬️ WIND DATA </a:t>
+                      </a:r>
+                    </a:p>
+                  </a:txBody>
+                  <a:tcPr/>
+                </a:tc>
+                <a:extLst>
+                  <a:ext uri="{0D108BD9-81ED-4DB2-BD59-A6C34878D82A}">
+                    <a16:rowId xmlns:a16="http://schemas.microsoft.com/office/drawing/2014/main" val="1002825402"/>
+                  </a:ext>
+                </a:extLst>
+              </a:tr>
+              <a:tr h="664065">
+                <a:tc>
+                  <a:txBody>
+                    <a:bodyPr/>
+                    <a:lstStyle/>
+                    <a:p>
+                      <a:pPr algn="ctr"/>
+                      <a:r>
+                        <a:rPr lang="en-US" sz="2000" dirty="0" err="1"/>
+                        <a:t>OpenSky</a:t>
+                      </a:r>
+                      <a:r>
+                        <a:rPr lang="en-US" sz="2000" dirty="0"/>
+                        <a:t> Network </a:t>
+                      </a:r>
+                    </a:p>
+                  </a:txBody>
+                  <a:tcPr/>
+                </a:tc>
+                <a:tc>
+                  <a:txBody>
+                    <a:bodyPr/>
+                    <a:lstStyle/>
+                    <a:p>
+                      <a:pPr algn="ctr"/>
+                      <a:r>
+                        <a:rPr lang="en-US" sz="2000" dirty="0" err="1"/>
+                        <a:t>RainViewer</a:t>
+                      </a:r>
+                      <a:r>
+                        <a:rPr lang="en-US" sz="2000" dirty="0"/>
+                        <a:t> API</a:t>
+                      </a:r>
+                    </a:p>
+                  </a:txBody>
+                  <a:tcPr/>
+                </a:tc>
+                <a:tc>
+                  <a:txBody>
+                    <a:bodyPr/>
+                    <a:lstStyle/>
+                    <a:p>
+                      <a:pPr algn="ctr"/>
+                      <a:r>
+                        <a:rPr lang="en-US" sz="2000" dirty="0"/>
+                        <a:t>METAR (VTBS)</a:t>
+                      </a:r>
+                    </a:p>
+                  </a:txBody>
+                  <a:tcPr/>
+                </a:tc>
+                <a:extLst>
+                  <a:ext uri="{0D108BD9-81ED-4DB2-BD59-A6C34878D82A}">
+                    <a16:rowId xmlns:a16="http://schemas.microsoft.com/office/drawing/2014/main" val="2022664062"/>
+                  </a:ext>
+                </a:extLst>
+              </a:tr>
+              <a:tr h="664065">
+                <a:tc>
+                  <a:txBody>
+                    <a:bodyPr/>
+                    <a:lstStyle/>
+                    <a:p>
+                      <a:pPr marL="285750" indent="-285750" algn="ctr">
+                        <a:buFont typeface="Arial" panose="020B0604020202020204" pitchFamily="34" charset="0"/>
+                        <a:buChar char="•"/>
+                      </a:pPr>
+                      <a:r>
+                        <a:rPr lang="en-US" sz="2000" dirty="0"/>
+                        <a:t>Position</a:t>
+                      </a:r>
+                    </a:p>
+                  </a:txBody>
+                  <a:tcPr/>
+                </a:tc>
+                <a:tc>
+                  <a:txBody>
+                    <a:bodyPr/>
+                    <a:lstStyle/>
+                    <a:p>
+                      <a:pPr marL="285750" indent="-285750" algn="ctr">
+                        <a:buFont typeface="Arial" panose="020B0604020202020204" pitchFamily="34" charset="0"/>
+                        <a:buChar char="•"/>
+                      </a:pPr>
+                      <a:r>
+                        <a:rPr lang="en-US" sz="2000" dirty="0"/>
+                        <a:t>Precipitation</a:t>
+                      </a:r>
+                    </a:p>
+                  </a:txBody>
+                  <a:tcPr/>
+                </a:tc>
+                <a:tc>
+                  <a:txBody>
+                    <a:bodyPr/>
+                    <a:lstStyle/>
+                    <a:p>
+                      <a:pPr marL="285750" indent="-285750" algn="ctr">
+                        <a:buFont typeface="Arial" panose="020B0604020202020204" pitchFamily="34" charset="0"/>
+                        <a:buChar char="•"/>
+                      </a:pPr>
+                      <a:r>
+                        <a:rPr lang="en-US" sz="2000" dirty="0"/>
+                        <a:t>Speed</a:t>
+                      </a:r>
+                    </a:p>
+                  </a:txBody>
+                  <a:tcPr/>
+                </a:tc>
+                <a:extLst>
+                  <a:ext uri="{0D108BD9-81ED-4DB2-BD59-A6C34878D82A}">
+                    <a16:rowId xmlns:a16="http://schemas.microsoft.com/office/drawing/2014/main" val="106340022"/>
+                  </a:ext>
+                </a:extLst>
+              </a:tr>
+              <a:tr h="664065">
+                <a:tc>
+                  <a:txBody>
+                    <a:bodyPr/>
+                    <a:lstStyle/>
+                    <a:p>
+                      <a:pPr marL="285750" indent="-285750" algn="ctr">
+                        <a:buFont typeface="Arial" panose="020B0604020202020204" pitchFamily="34" charset="0"/>
+                        <a:buChar char="•"/>
+                      </a:pPr>
+                      <a:r>
+                        <a:rPr lang="en-US" sz="2000" dirty="0"/>
+                        <a:t>Altitude</a:t>
+                      </a:r>
+                    </a:p>
+                  </a:txBody>
+                  <a:tcPr/>
+                </a:tc>
+                <a:tc>
+                  <a:txBody>
+                    <a:bodyPr/>
+                    <a:lstStyle/>
+                    <a:p>
+                      <a:pPr marL="285750" indent="-285750" algn="ctr">
+                        <a:buFont typeface="Arial" panose="020B0604020202020204" pitchFamily="34" charset="0"/>
+                        <a:buChar char="•"/>
+                      </a:pPr>
+                      <a:r>
+                        <a:rPr lang="en-US" sz="2000" dirty="0"/>
+                        <a:t>Intensity (</a:t>
+                      </a:r>
+                      <a:r>
+                        <a:rPr lang="en-US" sz="2000" dirty="0" err="1"/>
+                        <a:t>dBZ</a:t>
+                      </a:r>
+                      <a:r>
+                        <a:rPr lang="en-US" sz="2000" dirty="0"/>
+                        <a:t>)</a:t>
+                      </a:r>
+                    </a:p>
+                  </a:txBody>
+                  <a:tcPr/>
+                </a:tc>
+                <a:tc>
+                  <a:txBody>
+                    <a:bodyPr/>
+                    <a:lstStyle/>
+                    <a:p>
+                      <a:pPr marL="285750" indent="-285750" algn="ctr">
+                        <a:buFont typeface="Arial" panose="020B0604020202020204" pitchFamily="34" charset="0"/>
+                        <a:buChar char="•"/>
+                      </a:pPr>
+                      <a:r>
+                        <a:rPr lang="en-US" sz="2000" dirty="0"/>
+                        <a:t>Direction</a:t>
+                      </a:r>
+                    </a:p>
+                  </a:txBody>
+                  <a:tcPr/>
+                </a:tc>
+                <a:extLst>
+                  <a:ext uri="{0D108BD9-81ED-4DB2-BD59-A6C34878D82A}">
+                    <a16:rowId xmlns:a16="http://schemas.microsoft.com/office/drawing/2014/main" val="2710939973"/>
+                  </a:ext>
+                </a:extLst>
+              </a:tr>
+              <a:tr h="664065">
+                <a:tc>
+                  <a:txBody>
+                    <a:bodyPr/>
+                    <a:lstStyle/>
+                    <a:p>
+                      <a:pPr marL="285750" indent="-285750" algn="ctr">
+                        <a:buFont typeface="Arial" panose="020B0604020202020204" pitchFamily="34" charset="0"/>
+                        <a:buChar char="•"/>
+                      </a:pPr>
+                      <a:r>
+                        <a:rPr lang="en-US" sz="2000" dirty="0"/>
+                        <a:t>Heading</a:t>
+                      </a:r>
+                    </a:p>
+                  </a:txBody>
+                  <a:tcPr/>
+                </a:tc>
+                <a:tc>
+                  <a:txBody>
+                    <a:bodyPr/>
+                    <a:lstStyle/>
+                    <a:p>
+                      <a:pPr marL="285750" indent="-285750" algn="ctr">
+                        <a:buFont typeface="Arial" panose="020B0604020202020204" pitchFamily="34" charset="0"/>
+                        <a:buChar char="•"/>
+                      </a:pPr>
+                      <a:r>
+                        <a:rPr lang="en-US" sz="2000" dirty="0"/>
+                        <a:t>Coverage Area</a:t>
+                      </a:r>
+                    </a:p>
+                  </a:txBody>
+                  <a:tcPr/>
+                </a:tc>
+                <a:tc>
+                  <a:txBody>
+                    <a:bodyPr/>
+                    <a:lstStyle/>
+                    <a:p>
+                      <a:pPr marL="285750" indent="-285750" algn="ctr">
+                        <a:buFont typeface="Arial" panose="020B0604020202020204" pitchFamily="34" charset="0"/>
+                        <a:buChar char="•"/>
+                      </a:pPr>
+                      <a:r>
+                        <a:rPr lang="en-US" sz="2000" dirty="0"/>
+                        <a:t>Gusts</a:t>
+                      </a:r>
+                    </a:p>
+                  </a:txBody>
+                  <a:tcPr/>
+                </a:tc>
+                <a:extLst>
+                  <a:ext uri="{0D108BD9-81ED-4DB2-BD59-A6C34878D82A}">
+                    <a16:rowId xmlns:a16="http://schemas.microsoft.com/office/drawing/2014/main" val="114934191"/>
+                  </a:ext>
+                </a:extLst>
+              </a:tr>
+              <a:tr h="664065">
+                <a:tc>
+                  <a:txBody>
+                    <a:bodyPr/>
+                    <a:lstStyle/>
+                    <a:p>
+                      <a:pPr marL="285750" indent="-285750" algn="ctr">
+                        <a:buFont typeface="Wingdings" panose="05000000000000000000" pitchFamily="2" charset="2"/>
+                        <a:buChar char="Ø"/>
+                      </a:pPr>
+                      <a:r>
+                        <a:rPr lang="en-US" sz="2000" dirty="0"/>
+                        <a:t>Real-Time</a:t>
+                      </a:r>
+                    </a:p>
+                  </a:txBody>
+                  <a:tcPr/>
+                </a:tc>
+                <a:tc>
+                  <a:txBody>
+                    <a:bodyPr/>
+                    <a:lstStyle/>
+                    <a:p>
+                      <a:pPr marL="285750" indent="-285750" algn="ctr">
+                        <a:buFont typeface="Wingdings" panose="05000000000000000000" pitchFamily="2" charset="2"/>
+                        <a:buChar char="Ø"/>
+                      </a:pPr>
+                      <a:r>
+                        <a:rPr lang="en-US" sz="2000" dirty="0"/>
+                        <a:t>Every 5-10 min</a:t>
+                      </a:r>
+                    </a:p>
+                  </a:txBody>
+                  <a:tcPr/>
+                </a:tc>
+                <a:tc>
+                  <a:txBody>
+                    <a:bodyPr/>
+                    <a:lstStyle/>
+                    <a:p>
+                      <a:pPr marL="285750" indent="-285750" algn="ctr">
+                        <a:buFont typeface="Wingdings" panose="05000000000000000000" pitchFamily="2" charset="2"/>
+                        <a:buChar char="Ø"/>
+                      </a:pPr>
+                      <a:r>
+                        <a:rPr lang="en-US" sz="2000" dirty="0"/>
+                        <a:t>Hourly</a:t>
+                      </a:r>
+                    </a:p>
+                  </a:txBody>
+                  <a:tcPr/>
+                </a:tc>
+                <a:extLst>
+                  <a:ext uri="{0D108BD9-81ED-4DB2-BD59-A6C34878D82A}">
+                    <a16:rowId xmlns:a16="http://schemas.microsoft.com/office/drawing/2014/main" val="834330406"/>
+                  </a:ext>
+                </a:extLst>
+              </a:tr>
+            </a:tbl>
+          </a:graphicData>
+        </a:graphic>
+      </p:graphicFrame>
+      <p:sp>
+        <p:nvSpPr>
+          <p:cNvPr id="6" name="TextBox 5">
+            <a:extLst>
+              <a:ext uri="{FF2B5EF4-FFF2-40B4-BE49-F238E27FC236}">
+                <a16:creationId xmlns:a16="http://schemas.microsoft.com/office/drawing/2014/main" id="{AD85BE86-52FE-5661-F73B-FECFACC4C7CC}"/>
               </a:ext>
             </a:extLst>
           </p:cNvPr>
@@ -5728,8 +7272,8 @@
         </p:nvSpPr>
         <p:spPr>
           <a:xfrm>
-            <a:off x="0" y="1363588"/>
-            <a:ext cx="6096000" cy="4524315"/>
+            <a:off x="1557753" y="5650104"/>
+            <a:ext cx="9076494" cy="646331"/>
           </a:xfrm>
           <a:prstGeom prst="rect">
             <a:avLst/>
@@ -5743,211 +7287,1078 @@
           <a:lstStyle/>
           <a:p>
             <a:r>
-              <a:rPr lang="en-US" dirty="0">
-                <a:latin typeface="Bahnschrift" panose="020B0502040204020203" pitchFamily="34" charset="0"/>
-              </a:rPr>
-              <a:t>This project uses two main types of data collected around </a:t>
-            </a:r>
-            <a:r>
-              <a:rPr lang="en-US" b="1" dirty="0">
-                <a:latin typeface="Bahnschrift" panose="020B0502040204020203" pitchFamily="34" charset="0"/>
-              </a:rPr>
-              <a:t>Suvarnabhumi Airport (VTBS):</a:t>
-            </a:r>
-          </a:p>
-          <a:p>
-            <a:pPr marL="285750" indent="-285750">
-              <a:buFont typeface="Wingdings" panose="05000000000000000000" pitchFamily="2" charset="2"/>
-              <a:buChar char="Ø"/>
-            </a:pPr>
-            <a:endParaRPr lang="en-US" dirty="0">
-              <a:latin typeface="Bahnschrift" panose="020B0502040204020203" pitchFamily="34" charset="0"/>
-            </a:endParaRPr>
-          </a:p>
-          <a:p>
-            <a:pPr marL="285750" indent="-285750">
-              <a:buFont typeface="Wingdings" panose="05000000000000000000" pitchFamily="2" charset="2"/>
-              <a:buChar char="v"/>
-            </a:pPr>
-            <a:r>
-              <a:rPr lang="en-US" b="1" dirty="0">
-                <a:latin typeface="Bahnschrift" panose="020B0502040204020203" pitchFamily="34" charset="0"/>
-              </a:rPr>
-              <a:t>Flight Data</a:t>
-            </a:r>
-            <a:r>
-              <a:rPr lang="en-US" dirty="0"/>
-              <a:t>✈️</a:t>
-            </a:r>
-            <a:endParaRPr lang="en-US" b="1" dirty="0">
-              <a:latin typeface="Bahnschrift" panose="020B0502040204020203" pitchFamily="34" charset="0"/>
-            </a:endParaRPr>
-          </a:p>
-          <a:p>
-            <a:pPr marL="285750" indent="-285750">
-              <a:buFont typeface="Arial" panose="020B0604020202020204" pitchFamily="34" charset="0"/>
-              <a:buChar char="•"/>
-            </a:pPr>
-            <a:r>
-              <a:rPr lang="en-US" dirty="0">
-                <a:latin typeface="Bahnschrift" panose="020B0502040204020203" pitchFamily="34" charset="0"/>
-              </a:rPr>
-              <a:t>Source: Flight Data - </a:t>
-            </a:r>
-            <a:r>
-              <a:rPr lang="en-US" dirty="0" err="1">
-                <a:latin typeface="Bahnschrift" panose="020B0502040204020203" pitchFamily="34" charset="0"/>
-              </a:rPr>
-              <a:t>OpenSky</a:t>
-            </a:r>
-            <a:r>
-              <a:rPr lang="en-US" dirty="0">
-                <a:latin typeface="Bahnschrift" panose="020B0502040204020203" pitchFamily="34" charset="0"/>
-              </a:rPr>
-              <a:t> Network API</a:t>
-            </a:r>
-          </a:p>
-          <a:p>
-            <a:pPr marL="285750" indent="-285750">
-              <a:buFont typeface="Arial" panose="020B0604020202020204" pitchFamily="34" charset="0"/>
-              <a:buChar char="•"/>
-            </a:pPr>
-            <a:r>
-              <a:rPr lang="en-US" dirty="0">
-                <a:latin typeface="Bahnschrift" panose="020B0502040204020203" pitchFamily="34" charset="0"/>
-              </a:rPr>
-              <a:t>Data: Real-time positions of aircraft, Callsign, latitude, longitude, altitude, speed, vertical rate</a:t>
-            </a:r>
-          </a:p>
-          <a:p>
-            <a:pPr marL="285750" indent="-285750">
-              <a:buFont typeface="Arial" panose="020B0604020202020204" pitchFamily="34" charset="0"/>
-              <a:buChar char="•"/>
-            </a:pPr>
-            <a:r>
-              <a:rPr lang="en-US" dirty="0">
-                <a:latin typeface="Bahnschrift" panose="020B0502040204020203" pitchFamily="34" charset="0"/>
-              </a:rPr>
-              <a:t>Use: To analyze flight paths, delays, and rerouting near VTBS</a:t>
-            </a:r>
-          </a:p>
-          <a:p>
-            <a:endParaRPr lang="en-US" dirty="0">
-              <a:latin typeface="Bahnschrift" panose="020B0502040204020203" pitchFamily="34" charset="0"/>
-            </a:endParaRPr>
-          </a:p>
-          <a:p>
-            <a:pPr marL="285750" indent="-285750">
-              <a:buFont typeface="Wingdings" panose="05000000000000000000" pitchFamily="2" charset="2"/>
-              <a:buChar char="v"/>
-            </a:pPr>
-            <a:r>
-              <a:rPr lang="en-US" b="1" dirty="0">
-                <a:latin typeface="Bahnschrift" panose="020B0502040204020203" pitchFamily="34" charset="0"/>
-              </a:rPr>
-              <a:t>Weather Echo Data</a:t>
-            </a:r>
-            <a:r>
-              <a:rPr lang="en-US" dirty="0"/>
-              <a:t>🌧️</a:t>
-            </a:r>
-            <a:endParaRPr lang="en-US" b="1" dirty="0">
-              <a:latin typeface="Bahnschrift" panose="020B0502040204020203" pitchFamily="34" charset="0"/>
-            </a:endParaRPr>
-          </a:p>
-          <a:p>
-            <a:pPr marL="285750" indent="-285750">
-              <a:buFont typeface="Arial" panose="020B0604020202020204" pitchFamily="34" charset="0"/>
-              <a:buChar char="•"/>
-            </a:pPr>
-            <a:r>
-              <a:rPr lang="en-US" dirty="0">
-                <a:latin typeface="Bahnschrift" panose="020B0502040204020203" pitchFamily="34" charset="0"/>
-              </a:rPr>
-              <a:t>Source: Weather Radar Data - </a:t>
-            </a:r>
-            <a:r>
-              <a:rPr lang="en-US" dirty="0" err="1">
-                <a:latin typeface="Bahnschrift" panose="020B0502040204020203" pitchFamily="34" charset="0"/>
-              </a:rPr>
-              <a:t>RainViewer</a:t>
-            </a:r>
-            <a:r>
-              <a:rPr lang="en-US" dirty="0">
-                <a:latin typeface="Bahnschrift" panose="020B0502040204020203" pitchFamily="34" charset="0"/>
-              </a:rPr>
-              <a:t> API </a:t>
-            </a:r>
-          </a:p>
-          <a:p>
-            <a:pPr marL="285750" indent="-285750">
-              <a:buFont typeface="Arial" panose="020B0604020202020204" pitchFamily="34" charset="0"/>
-              <a:buChar char="•"/>
-            </a:pPr>
-            <a:r>
-              <a:rPr lang="en-US" dirty="0">
-                <a:latin typeface="Bahnschrift" panose="020B0502040204020203" pitchFamily="34" charset="0"/>
-              </a:rPr>
-              <a:t>Data: Weather radar imagery URLs, Timestamps and paths to weather radar tiles</a:t>
-            </a:r>
-          </a:p>
-          <a:p>
-            <a:pPr marL="285750" indent="-285750">
-              <a:buFont typeface="Arial" panose="020B0604020202020204" pitchFamily="34" charset="0"/>
-              <a:buChar char="•"/>
-            </a:pPr>
-            <a:r>
-              <a:rPr lang="en-US" dirty="0">
-                <a:latin typeface="Bahnschrift" panose="020B0502040204020203" pitchFamily="34" charset="0"/>
-              </a:rPr>
-              <a:t>Use: To correlate weather events with flight changes</a:t>
-            </a:r>
-          </a:p>
-          <a:p>
-            <a:pPr marL="285750" indent="-285750">
-              <a:buFont typeface="Wingdings" panose="05000000000000000000" pitchFamily="2" charset="2"/>
-              <a:buChar char="Ø"/>
-            </a:pPr>
-            <a:endParaRPr lang="en-US" dirty="0">
-              <a:latin typeface="Bahnschrift" panose="020B0502040204020203" pitchFamily="34" charset="0"/>
-            </a:endParaRPr>
-          </a:p>
-        </p:txBody>
-      </p:sp>
-      <p:pic>
-        <p:nvPicPr>
-          <p:cNvPr id="8" name="Picture 7">
-            <a:extLst>
-              <a:ext uri="{FF2B5EF4-FFF2-40B4-BE49-F238E27FC236}">
-                <a16:creationId xmlns:a16="http://schemas.microsoft.com/office/drawing/2014/main" id="{E8AB10DC-49E5-920C-EBDB-37E9243D3618}"/>
-              </a:ext>
-            </a:extLst>
-          </p:cNvPr>
-          <p:cNvPicPr>
-            <a:picLocks noChangeAspect="1"/>
-          </p:cNvPicPr>
-          <p:nvPr/>
-        </p:nvPicPr>
-        <p:blipFill>
-          <a:blip r:embed="rId2"/>
-          <a:stretch>
-            <a:fillRect/>
-          </a:stretch>
-        </p:blipFill>
+              <a:rPr lang="en-US" b="1" i="1" dirty="0"/>
+              <a:t>Coverage Area</a:t>
+            </a:r>
+            <a:r>
+              <a:rPr lang="en-US" dirty="0"/>
+              <a:t>: 80km radius around Airport (VTBS)</a:t>
+            </a:r>
+          </a:p>
+          <a:p>
+            <a:r>
+              <a:rPr lang="en-US" b="1" i="1" dirty="0"/>
+              <a:t>Collection Time</a:t>
+            </a:r>
+            <a:r>
+              <a:rPr lang="en-US" dirty="0"/>
+              <a:t>: Automated every 10 minutes</a:t>
+            </a:r>
+          </a:p>
+        </p:txBody>
+      </p:sp>
+    </p:spTree>
+    <p:extLst>
+      <p:ext uri="{BB962C8B-B14F-4D97-AF65-F5344CB8AC3E}">
+        <p14:creationId xmlns:p14="http://schemas.microsoft.com/office/powerpoint/2010/main" val="2785525311"/>
+      </p:ext>
+    </p:extLst>
+  </p:cSld>
+  <p:clrMapOvr>
+    <a:masterClrMapping/>
+  </p:clrMapOvr>
+</p:sld>
+</file>
+
+<file path=ppt/slides/slide7.xml><?xml version="1.0" encoding="utf-8"?>
+<p:sld xmlns:a="http://schemas.openxmlformats.org/drawingml/2006/main" xmlns:r="http://schemas.openxmlformats.org/officeDocument/2006/relationships" xmlns:p="http://schemas.openxmlformats.org/presentationml/2006/main">
+  <p:cSld>
+    <p:spTree>
+      <p:nvGrpSpPr>
+        <p:cNvPr id="1" name="">
+          <a:extLst>
+            <a:ext uri="{FF2B5EF4-FFF2-40B4-BE49-F238E27FC236}">
+              <a16:creationId xmlns:a16="http://schemas.microsoft.com/office/drawing/2014/main" id="{75A0863F-48ED-238B-4A1C-E3083BCC5F30}"/>
+            </a:ext>
+          </a:extLst>
+        </p:cNvPr>
+        <p:cNvGrpSpPr/>
+        <p:nvPr/>
+      </p:nvGrpSpPr>
+      <p:grpSpPr>
+        <a:xfrm>
+          <a:off x="0" y="0"/>
+          <a:ext cx="0" cy="0"/>
+          <a:chOff x="0" y="0"/>
+          <a:chExt cx="0" cy="0"/>
+        </a:xfrm>
+      </p:grpSpPr>
+      <p:sp>
+        <p:nvSpPr>
+          <p:cNvPr id="2" name="タイトル 1">
+            <a:extLst>
+              <a:ext uri="{FF2B5EF4-FFF2-40B4-BE49-F238E27FC236}">
+                <a16:creationId xmlns:a16="http://schemas.microsoft.com/office/drawing/2014/main" id="{92F52036-A349-6E8E-D60B-6ED73D6AFD65}"/>
+              </a:ext>
+            </a:extLst>
+          </p:cNvPr>
+          <p:cNvSpPr>
+            <a:spLocks noGrp="1"/>
+          </p:cNvSpPr>
+          <p:nvPr>
+            <p:ph type="title"/>
+          </p:nvPr>
+        </p:nvSpPr>
         <p:spPr>
           <a:xfrm>
-            <a:off x="6096000" y="1363588"/>
-            <a:ext cx="6010289" cy="4524931"/>
+            <a:off x="803382" y="136524"/>
+            <a:ext cx="10369152" cy="442763"/>
+          </a:xfrm>
+        </p:spPr>
+        <p:txBody>
+          <a:bodyPr/>
+          <a:lstStyle/>
+          <a:p>
+            <a:r>
+              <a:rPr kumimoji="1" lang="en-US" altLang="ja-JP" sz="4000" b="1" i="1" dirty="0"/>
+              <a:t>How It Works</a:t>
+            </a:r>
+            <a:endParaRPr kumimoji="1" lang="ja-JP" altLang="en-US" sz="4000" b="1" i="1" dirty="0"/>
+          </a:p>
+        </p:txBody>
+      </p:sp>
+      <p:sp>
+        <p:nvSpPr>
+          <p:cNvPr id="3" name="スライド番号プレースホルダー 2">
+            <a:extLst>
+              <a:ext uri="{FF2B5EF4-FFF2-40B4-BE49-F238E27FC236}">
+                <a16:creationId xmlns:a16="http://schemas.microsoft.com/office/drawing/2014/main" id="{E783A4D0-C986-1F9E-CFD6-D75FA4A4DF0C}"/>
+              </a:ext>
+            </a:extLst>
+          </p:cNvPr>
+          <p:cNvSpPr>
+            <a:spLocks noGrp="1"/>
+          </p:cNvSpPr>
+          <p:nvPr>
+            <p:ph type="sldNum" sz="quarter" idx="12"/>
+          </p:nvPr>
+        </p:nvSpPr>
+        <p:spPr/>
+        <p:txBody>
+          <a:bodyPr/>
+          <a:lstStyle/>
+          <a:p>
+            <a:fld id="{1E188E5C-A572-468D-8598-CE214D70D8BB}" type="slidenum">
+              <a:rPr kumimoji="1" lang="ja-JP" altLang="en-US" smtClean="0"/>
+              <a:pPr/>
+              <a:t>7</a:t>
+            </a:fld>
+            <a:endParaRPr kumimoji="1" lang="ja-JP" altLang="en-US" dirty="0"/>
+          </a:p>
+        </p:txBody>
+      </p:sp>
+      <p:sp>
+        <p:nvSpPr>
+          <p:cNvPr id="5" name="TextBox 4">
+            <a:extLst>
+              <a:ext uri="{FF2B5EF4-FFF2-40B4-BE49-F238E27FC236}">
+                <a16:creationId xmlns:a16="http://schemas.microsoft.com/office/drawing/2014/main" id="{AA4F7105-00CB-8D54-BF32-70252DDD6423}"/>
+              </a:ext>
+            </a:extLst>
+          </p:cNvPr>
+          <p:cNvSpPr txBox="1"/>
+          <p:nvPr/>
+        </p:nvSpPr>
+        <p:spPr>
+          <a:xfrm>
+            <a:off x="0" y="1443841"/>
+            <a:ext cx="7211079" cy="4801314"/>
           </a:xfrm>
           <a:prstGeom prst="rect">
             <a:avLst/>
           </a:prstGeom>
+          <a:noFill/>
         </p:spPr>
-      </p:pic>
+        <p:txBody>
+          <a:bodyPr wrap="square" rtlCol="0">
+            <a:spAutoFit/>
+          </a:bodyPr>
+          <a:lstStyle/>
+          <a:p>
+            <a:pPr marL="342900" indent="-342900">
+              <a:buFont typeface="+mj-lt"/>
+              <a:buAutoNum type="arabicPeriod"/>
+            </a:pPr>
+            <a:r>
+              <a:rPr lang="en-US" dirty="0"/>
+              <a:t>Filter Arrival Flights</a:t>
+            </a:r>
+          </a:p>
+          <a:p>
+            <a:pPr marL="800100" lvl="1" indent="-342900">
+              <a:buFont typeface="Arial" panose="020B0604020202020204" pitchFamily="34" charset="0"/>
+              <a:buChar char="•"/>
+            </a:pPr>
+            <a:r>
+              <a:rPr lang="en-US" dirty="0"/>
+              <a:t>Altitude ≤ 10,000ft</a:t>
+            </a:r>
+          </a:p>
+          <a:p>
+            <a:pPr marL="800100" lvl="1" indent="-342900">
+              <a:buFont typeface="Arial" panose="020B0604020202020204" pitchFamily="34" charset="0"/>
+              <a:buChar char="•"/>
+            </a:pPr>
+            <a:r>
+              <a:rPr lang="en-US" dirty="0"/>
+              <a:t>Within 80Km of VTBS</a:t>
+            </a:r>
+          </a:p>
+          <a:p>
+            <a:pPr marL="800100" lvl="1" indent="-342900">
+              <a:buFont typeface="Arial" panose="020B0604020202020204" pitchFamily="34" charset="0"/>
+              <a:buChar char="•"/>
+            </a:pPr>
+            <a:r>
+              <a:rPr lang="en-US" dirty="0"/>
+              <a:t>Descending Aircraft Only</a:t>
+            </a:r>
+          </a:p>
+          <a:p>
+            <a:pPr lvl="1"/>
+            <a:endParaRPr lang="en-US" dirty="0"/>
+          </a:p>
+          <a:p>
+            <a:pPr marL="342900" indent="-342900">
+              <a:buFont typeface="+mj-lt"/>
+              <a:buAutoNum type="arabicPeriod"/>
+            </a:pPr>
+            <a:r>
+              <a:rPr lang="en-US" dirty="0"/>
+              <a:t>Classify Wind Exposure</a:t>
+            </a:r>
+          </a:p>
+          <a:p>
+            <a:pPr marL="800100" lvl="1" indent="-342900">
+              <a:buFont typeface="Arial" panose="020B0604020202020204" pitchFamily="34" charset="0"/>
+              <a:buChar char="•"/>
+            </a:pPr>
+            <a:r>
+              <a:rPr lang="en-US" dirty="0"/>
+              <a:t>Calculate wind relative to approach</a:t>
+            </a:r>
+          </a:p>
+          <a:p>
+            <a:pPr marL="800100" lvl="1" indent="-342900">
+              <a:buFont typeface="Arial" panose="020B0604020202020204" pitchFamily="34" charset="0"/>
+              <a:buChar char="•"/>
+            </a:pPr>
+            <a:r>
+              <a:rPr lang="en-US" dirty="0"/>
+              <a:t>Categorize: HEADWIND | TAILWIND | CROSSWIND | CALM</a:t>
+            </a:r>
+          </a:p>
+          <a:p>
+            <a:pPr lvl="1"/>
+            <a:endParaRPr lang="en-US" dirty="0"/>
+          </a:p>
+          <a:p>
+            <a:pPr marL="342900" indent="-342900">
+              <a:buFont typeface="+mj-lt"/>
+              <a:buAutoNum type="arabicPeriod"/>
+            </a:pPr>
+            <a:r>
+              <a:rPr lang="en-US" dirty="0"/>
+              <a:t>Analyze Weather Position</a:t>
+            </a:r>
+          </a:p>
+          <a:p>
+            <a:pPr marL="800100" lvl="1" indent="-342900">
+              <a:buFont typeface="Arial" panose="020B0604020202020204" pitchFamily="34" charset="0"/>
+              <a:buChar char="•"/>
+            </a:pPr>
+            <a:r>
+              <a:rPr lang="en-US" dirty="0"/>
+              <a:t>Extract radar intensity at aircraft location</a:t>
+            </a:r>
+          </a:p>
+          <a:p>
+            <a:pPr marL="800100" lvl="1" indent="-342900">
+              <a:buFont typeface="Arial" panose="020B0604020202020204" pitchFamily="34" charset="0"/>
+              <a:buChar char="•"/>
+            </a:pPr>
+            <a:r>
+              <a:rPr lang="en-US" dirty="0"/>
+              <a:t>Measure: Clear | Light | Moderate | Heavy</a:t>
+            </a:r>
+          </a:p>
+          <a:p>
+            <a:pPr lvl="1"/>
+            <a:endParaRPr lang="en-US" dirty="0"/>
+          </a:p>
+          <a:p>
+            <a:pPr marL="342900" indent="-342900">
+              <a:buFont typeface="+mj-lt"/>
+              <a:buAutoNum type="arabicPeriod"/>
+            </a:pPr>
+            <a:r>
+              <a:rPr lang="en-US" dirty="0"/>
+              <a:t>Detect Avoidance</a:t>
+            </a:r>
+          </a:p>
+          <a:p>
+            <a:pPr marL="800100" lvl="1" indent="-342900">
+              <a:buFont typeface="Arial" panose="020B0604020202020204" pitchFamily="34" charset="0"/>
+              <a:buChar char="•"/>
+            </a:pPr>
+            <a:r>
+              <a:rPr lang="en-US" dirty="0"/>
+              <a:t>Compare Actual VS Ideal Heading</a:t>
+            </a:r>
+          </a:p>
+          <a:p>
+            <a:pPr marL="800100" lvl="1" indent="-342900">
+              <a:buFont typeface="Arial" panose="020B0604020202020204" pitchFamily="34" charset="0"/>
+              <a:buChar char="•"/>
+            </a:pPr>
+            <a:r>
+              <a:rPr lang="en-US" dirty="0"/>
+              <a:t>If deviation &gt;20° + in Weather = AVOIDING</a:t>
+            </a:r>
+          </a:p>
+          <a:p>
+            <a:pPr marL="800100" lvl="1" indent="-342900">
+              <a:buFont typeface="Arial" panose="020B0604020202020204" pitchFamily="34" charset="0"/>
+              <a:buChar char="•"/>
+            </a:pPr>
+            <a:r>
+              <a:rPr lang="en-US" dirty="0"/>
+              <a:t>Assign Confidence Score (0-100%)</a:t>
+            </a:r>
+          </a:p>
+        </p:txBody>
+      </p:sp>
     </p:spTree>
     <p:extLst>
       <p:ext uri="{BB962C8B-B14F-4D97-AF65-F5344CB8AC3E}">
-        <p14:creationId xmlns:p14="http://schemas.microsoft.com/office/powerpoint/2010/main" val="2937017392"/>
+        <p14:creationId xmlns:p14="http://schemas.microsoft.com/office/powerpoint/2010/main" val="541300075"/>
+      </p:ext>
+    </p:extLst>
+  </p:cSld>
+  <p:clrMapOvr>
+    <a:masterClrMapping/>
+  </p:clrMapOvr>
+</p:sld>
+</file>
+
+<file path=ppt/slides/slide8.xml><?xml version="1.0" encoding="utf-8"?>
+<p:sld xmlns:a="http://schemas.openxmlformats.org/drawingml/2006/main" xmlns:r="http://schemas.openxmlformats.org/officeDocument/2006/relationships" xmlns:p="http://schemas.openxmlformats.org/presentationml/2006/main">
+  <p:cSld>
+    <p:spTree>
+      <p:nvGrpSpPr>
+        <p:cNvPr id="1" name="">
+          <a:extLst>
+            <a:ext uri="{FF2B5EF4-FFF2-40B4-BE49-F238E27FC236}">
+              <a16:creationId xmlns:a16="http://schemas.microsoft.com/office/drawing/2014/main" id="{E6AA0C06-3278-908F-DAF7-CFE430612348}"/>
+            </a:ext>
+          </a:extLst>
+        </p:cNvPr>
+        <p:cNvGrpSpPr/>
+        <p:nvPr/>
+      </p:nvGrpSpPr>
+      <p:grpSpPr>
+        <a:xfrm>
+          <a:off x="0" y="0"/>
+          <a:ext cx="0" cy="0"/>
+          <a:chOff x="0" y="0"/>
+          <a:chExt cx="0" cy="0"/>
+        </a:xfrm>
+      </p:grpSpPr>
+      <p:sp>
+        <p:nvSpPr>
+          <p:cNvPr id="2" name="タイトル 1">
+            <a:extLst>
+              <a:ext uri="{FF2B5EF4-FFF2-40B4-BE49-F238E27FC236}">
+                <a16:creationId xmlns:a16="http://schemas.microsoft.com/office/drawing/2014/main" id="{47AA8CA5-BC49-3898-D9E9-76CBEF7B8C5A}"/>
+              </a:ext>
+            </a:extLst>
+          </p:cNvPr>
+          <p:cNvSpPr>
+            <a:spLocks noGrp="1"/>
+          </p:cNvSpPr>
+          <p:nvPr>
+            <p:ph type="title"/>
+          </p:nvPr>
+        </p:nvSpPr>
+        <p:spPr>
+          <a:xfrm>
+            <a:off x="803382" y="136524"/>
+            <a:ext cx="10369152" cy="442763"/>
+          </a:xfrm>
+        </p:spPr>
+        <p:txBody>
+          <a:bodyPr/>
+          <a:lstStyle/>
+          <a:p>
+            <a:r>
+              <a:rPr kumimoji="1" lang="en-US" altLang="ja-JP" sz="4000" b="1" i="1" dirty="0"/>
+              <a:t>Results</a:t>
+            </a:r>
+            <a:endParaRPr kumimoji="1" lang="ja-JP" altLang="en-US" sz="4000" b="1" i="1" dirty="0"/>
+          </a:p>
+        </p:txBody>
+      </p:sp>
+      <p:sp>
+        <p:nvSpPr>
+          <p:cNvPr id="3" name="スライド番号プレースホルダー 2">
+            <a:extLst>
+              <a:ext uri="{FF2B5EF4-FFF2-40B4-BE49-F238E27FC236}">
+                <a16:creationId xmlns:a16="http://schemas.microsoft.com/office/drawing/2014/main" id="{84D2625D-D748-FD34-D904-7D3F45C3968C}"/>
+              </a:ext>
+            </a:extLst>
+          </p:cNvPr>
+          <p:cNvSpPr>
+            <a:spLocks noGrp="1"/>
+          </p:cNvSpPr>
+          <p:nvPr>
+            <p:ph type="sldNum" sz="quarter" idx="12"/>
+          </p:nvPr>
+        </p:nvSpPr>
+        <p:spPr/>
+        <p:txBody>
+          <a:bodyPr/>
+          <a:lstStyle/>
+          <a:p>
+            <a:fld id="{1E188E5C-A572-468D-8598-CE214D70D8BB}" type="slidenum">
+              <a:rPr kumimoji="1" lang="ja-JP" altLang="en-US" smtClean="0"/>
+              <a:pPr/>
+              <a:t>8</a:t>
+            </a:fld>
+            <a:endParaRPr kumimoji="1" lang="ja-JP" altLang="en-US" dirty="0"/>
+          </a:p>
+        </p:txBody>
+      </p:sp>
+      <p:sp>
+        <p:nvSpPr>
+          <p:cNvPr id="5" name="TextBox 4">
+            <a:extLst>
+              <a:ext uri="{FF2B5EF4-FFF2-40B4-BE49-F238E27FC236}">
+                <a16:creationId xmlns:a16="http://schemas.microsoft.com/office/drawing/2014/main" id="{8182A80F-F69B-3570-8F82-0D61CA10A879}"/>
+              </a:ext>
+            </a:extLst>
+          </p:cNvPr>
+          <p:cNvSpPr txBox="1"/>
+          <p:nvPr/>
+        </p:nvSpPr>
+        <p:spPr>
+          <a:xfrm>
+            <a:off x="61369" y="1763990"/>
+            <a:ext cx="5366694" cy="923330"/>
+          </a:xfrm>
+          <a:prstGeom prst="rect">
+            <a:avLst/>
+          </a:prstGeom>
+          <a:noFill/>
+        </p:spPr>
+        <p:txBody>
+          <a:bodyPr wrap="square" rtlCol="0">
+            <a:spAutoFit/>
+          </a:bodyPr>
+          <a:lstStyle/>
+          <a:p>
+            <a:r>
+              <a:rPr lang="en-US" b="1" dirty="0"/>
+              <a:t>Analysis Results ( June 24, 2025 16:30 )</a:t>
+            </a:r>
+          </a:p>
+          <a:p>
+            <a:endParaRPr lang="en-US" b="1" dirty="0"/>
+          </a:p>
+          <a:p>
+            <a:endParaRPr lang="en-US" b="1" dirty="0"/>
+          </a:p>
+        </p:txBody>
+      </p:sp>
+      <p:graphicFrame>
+        <p:nvGraphicFramePr>
+          <p:cNvPr id="6" name="Table 5">
+            <a:extLst>
+              <a:ext uri="{FF2B5EF4-FFF2-40B4-BE49-F238E27FC236}">
+                <a16:creationId xmlns:a16="http://schemas.microsoft.com/office/drawing/2014/main" id="{FDE55AA9-B1D4-042C-99DC-87A1CADF4880}"/>
+              </a:ext>
+            </a:extLst>
+          </p:cNvPr>
+          <p:cNvGraphicFramePr>
+            <a:graphicFrameLocks noGrp="1"/>
+          </p:cNvGraphicFramePr>
+          <p:nvPr>
+            <p:extLst>
+              <p:ext uri="{D42A27DB-BD31-4B8C-83A1-F6EECF244321}">
+                <p14:modId xmlns:p14="http://schemas.microsoft.com/office/powerpoint/2010/main" val="2954257137"/>
+              </p:ext>
+            </p:extLst>
+          </p:nvPr>
+        </p:nvGraphicFramePr>
+        <p:xfrm>
+          <a:off x="61369" y="2388663"/>
+          <a:ext cx="5366694" cy="1483360"/>
+        </p:xfrm>
+        <a:graphic>
+          <a:graphicData uri="http://schemas.openxmlformats.org/drawingml/2006/table">
+            <a:tbl>
+              <a:tblPr bandRow="1">
+                <a:tableStyleId>{5C22544A-7EE6-4342-B048-85BDC9FD1C3A}</a:tableStyleId>
+              </a:tblPr>
+              <a:tblGrid>
+                <a:gridCol w="2683347">
+                  <a:extLst>
+                    <a:ext uri="{9D8B030D-6E8A-4147-A177-3AD203B41FA5}">
+                      <a16:colId xmlns:a16="http://schemas.microsoft.com/office/drawing/2014/main" val="3562092738"/>
+                    </a:ext>
+                  </a:extLst>
+                </a:gridCol>
+                <a:gridCol w="2683347">
+                  <a:extLst>
+                    <a:ext uri="{9D8B030D-6E8A-4147-A177-3AD203B41FA5}">
+                      <a16:colId xmlns:a16="http://schemas.microsoft.com/office/drawing/2014/main" val="3365774211"/>
+                    </a:ext>
+                  </a:extLst>
+                </a:gridCol>
+              </a:tblGrid>
+              <a:tr h="370840">
+                <a:tc>
+                  <a:txBody>
+                    <a:bodyPr/>
+                    <a:lstStyle/>
+                    <a:p>
+                      <a:r>
+                        <a:rPr lang="en-US" dirty="0"/>
+                        <a:t>Total Arrival Flights:</a:t>
+                      </a:r>
+                    </a:p>
+                  </a:txBody>
+                  <a:tcPr/>
+                </a:tc>
+                <a:tc>
+                  <a:txBody>
+                    <a:bodyPr/>
+                    <a:lstStyle/>
+                    <a:p>
+                      <a:r>
+                        <a:rPr lang="en-US" dirty="0"/>
+                        <a:t>15</a:t>
+                      </a:r>
+                    </a:p>
+                  </a:txBody>
+                  <a:tcPr/>
+                </a:tc>
+                <a:extLst>
+                  <a:ext uri="{0D108BD9-81ED-4DB2-BD59-A6C34878D82A}">
+                    <a16:rowId xmlns:a16="http://schemas.microsoft.com/office/drawing/2014/main" val="1792999028"/>
+                  </a:ext>
+                </a:extLst>
+              </a:tr>
+              <a:tr h="370840">
+                <a:tc>
+                  <a:txBody>
+                    <a:bodyPr/>
+                    <a:lstStyle/>
+                    <a:p>
+                      <a:r>
+                        <a:rPr lang="en-US" dirty="0"/>
+                        <a:t>Wind Condition:</a:t>
+                      </a:r>
+                    </a:p>
+                  </a:txBody>
+                  <a:tcPr/>
+                </a:tc>
+                <a:tc>
+                  <a:txBody>
+                    <a:bodyPr/>
+                    <a:lstStyle/>
+                    <a:p>
+                      <a:r>
+                        <a:rPr lang="en-US" dirty="0"/>
+                        <a:t>HEADWIND</a:t>
+                      </a:r>
+                    </a:p>
+                  </a:txBody>
+                  <a:tcPr/>
+                </a:tc>
+                <a:extLst>
+                  <a:ext uri="{0D108BD9-81ED-4DB2-BD59-A6C34878D82A}">
+                    <a16:rowId xmlns:a16="http://schemas.microsoft.com/office/drawing/2014/main" val="2761351130"/>
+                  </a:ext>
+                </a:extLst>
+              </a:tr>
+              <a:tr h="370840">
+                <a:tc>
+                  <a:txBody>
+                    <a:bodyPr/>
+                    <a:lstStyle/>
+                    <a:p>
+                      <a:r>
+                        <a:rPr lang="en-US" dirty="0"/>
+                        <a:t>Current Wind:</a:t>
+                      </a:r>
+                    </a:p>
+                  </a:txBody>
+                  <a:tcPr/>
+                </a:tc>
+                <a:tc>
+                  <a:txBody>
+                    <a:bodyPr/>
+                    <a:lstStyle/>
+                    <a:p>
+                      <a:r>
+                        <a:rPr lang="en-US" dirty="0"/>
+                        <a:t>11kt/180°</a:t>
+                      </a:r>
+                    </a:p>
+                  </a:txBody>
+                  <a:tcPr/>
+                </a:tc>
+                <a:extLst>
+                  <a:ext uri="{0D108BD9-81ED-4DB2-BD59-A6C34878D82A}">
+                    <a16:rowId xmlns:a16="http://schemas.microsoft.com/office/drawing/2014/main" val="2824516035"/>
+                  </a:ext>
+                </a:extLst>
+              </a:tr>
+              <a:tr h="370840">
+                <a:tc>
+                  <a:txBody>
+                    <a:bodyPr/>
+                    <a:lstStyle/>
+                    <a:p>
+                      <a:r>
+                        <a:rPr lang="en-US" dirty="0"/>
+                        <a:t>Weather Activity:</a:t>
+                      </a:r>
+                    </a:p>
+                  </a:txBody>
+                  <a:tcPr/>
+                </a:tc>
+                <a:tc>
+                  <a:txBody>
+                    <a:bodyPr/>
+                    <a:lstStyle/>
+                    <a:p>
+                      <a:r>
+                        <a:rPr lang="en-US" dirty="0"/>
+                        <a:t>MINIMAL</a:t>
+                      </a:r>
+                    </a:p>
+                  </a:txBody>
+                  <a:tcPr/>
+                </a:tc>
+                <a:extLst>
+                  <a:ext uri="{0D108BD9-81ED-4DB2-BD59-A6C34878D82A}">
+                    <a16:rowId xmlns:a16="http://schemas.microsoft.com/office/drawing/2014/main" val="1717745058"/>
+                  </a:ext>
+                </a:extLst>
+              </a:tr>
+            </a:tbl>
+          </a:graphicData>
+        </a:graphic>
+      </p:graphicFrame>
+      <p:sp>
+        <p:nvSpPr>
+          <p:cNvPr id="7" name="TextBox 6">
+            <a:extLst>
+              <a:ext uri="{FF2B5EF4-FFF2-40B4-BE49-F238E27FC236}">
+                <a16:creationId xmlns:a16="http://schemas.microsoft.com/office/drawing/2014/main" id="{0BA889E3-3772-49EE-13F8-9DB31DCB74F2}"/>
+              </a:ext>
+            </a:extLst>
+          </p:cNvPr>
+          <p:cNvSpPr txBox="1"/>
+          <p:nvPr/>
+        </p:nvSpPr>
+        <p:spPr>
+          <a:xfrm>
+            <a:off x="0" y="4170680"/>
+            <a:ext cx="5366694" cy="1477328"/>
+          </a:xfrm>
+          <a:prstGeom prst="rect">
+            <a:avLst/>
+          </a:prstGeom>
+          <a:noFill/>
+        </p:spPr>
+        <p:txBody>
+          <a:bodyPr wrap="square" rtlCol="0">
+            <a:spAutoFit/>
+          </a:bodyPr>
+          <a:lstStyle/>
+          <a:p>
+            <a:r>
+              <a:rPr lang="en-US" b="1" dirty="0"/>
+              <a:t>Key Observations: </a:t>
+            </a:r>
+          </a:p>
+          <a:p>
+            <a:pPr marL="285750" indent="-285750">
+              <a:buFont typeface="Arial" panose="020B0604020202020204" pitchFamily="34" charset="0"/>
+              <a:buChar char="•"/>
+            </a:pPr>
+            <a:r>
+              <a:rPr lang="en-US" dirty="0"/>
+              <a:t>No weather encounters (clear conditions) </a:t>
+            </a:r>
+          </a:p>
+          <a:p>
+            <a:pPr marL="285750" indent="-285750">
+              <a:buFont typeface="Arial" panose="020B0604020202020204" pitchFamily="34" charset="0"/>
+              <a:buChar char="•"/>
+            </a:pPr>
+            <a:r>
+              <a:rPr lang="en-US" dirty="0"/>
+              <a:t>No avoidance behavior detected </a:t>
+            </a:r>
+          </a:p>
+          <a:p>
+            <a:pPr marL="285750" indent="-285750">
+              <a:buFont typeface="Arial" panose="020B0604020202020204" pitchFamily="34" charset="0"/>
+              <a:buChar char="•"/>
+            </a:pPr>
+            <a:r>
+              <a:rPr lang="en-US" dirty="0"/>
+              <a:t>High confidence: 93% average</a:t>
+            </a:r>
+          </a:p>
+          <a:p>
+            <a:pPr marL="285750" indent="-285750">
+              <a:buFont typeface="Arial" panose="020B0604020202020204" pitchFamily="34" charset="0"/>
+              <a:buChar char="•"/>
+            </a:pPr>
+            <a:r>
+              <a:rPr lang="en-US" dirty="0"/>
+              <a:t>14/15 flights with HIGH confidence</a:t>
+            </a:r>
+          </a:p>
+        </p:txBody>
+      </p:sp>
+      <p:grpSp>
+        <p:nvGrpSpPr>
+          <p:cNvPr id="11" name="Group 10">
+            <a:extLst>
+              <a:ext uri="{FF2B5EF4-FFF2-40B4-BE49-F238E27FC236}">
+                <a16:creationId xmlns:a16="http://schemas.microsoft.com/office/drawing/2014/main" id="{3CE9E87A-465E-EC81-7410-5FCAC7D5119A}"/>
+              </a:ext>
+            </a:extLst>
+          </p:cNvPr>
+          <p:cNvGrpSpPr/>
+          <p:nvPr/>
+        </p:nvGrpSpPr>
+        <p:grpSpPr>
+          <a:xfrm>
+            <a:off x="5428063" y="1360007"/>
+            <a:ext cx="6763937" cy="5024031"/>
+            <a:chOff x="5428063" y="1360007"/>
+            <a:chExt cx="6763937" cy="5024031"/>
+          </a:xfrm>
+        </p:grpSpPr>
+        <p:pic>
+          <p:nvPicPr>
+            <p:cNvPr id="9" name="Picture 8">
+              <a:extLst>
+                <a:ext uri="{FF2B5EF4-FFF2-40B4-BE49-F238E27FC236}">
+                  <a16:creationId xmlns:a16="http://schemas.microsoft.com/office/drawing/2014/main" id="{BB1F3C98-7474-7241-CF8D-3A66A0FE3837}"/>
+                </a:ext>
+              </a:extLst>
+            </p:cNvPr>
+            <p:cNvPicPr>
+              <a:picLocks noChangeAspect="1"/>
+            </p:cNvPicPr>
+            <p:nvPr/>
+          </p:nvPicPr>
+          <p:blipFill>
+            <a:blip r:embed="rId2"/>
+            <a:stretch>
+              <a:fillRect/>
+            </a:stretch>
+          </p:blipFill>
+          <p:spPr>
+            <a:xfrm>
+              <a:off x="5428063" y="1360007"/>
+              <a:ext cx="6763937" cy="5024031"/>
+            </a:xfrm>
+            <a:prstGeom prst="rect">
+              <a:avLst/>
+            </a:prstGeom>
+          </p:spPr>
+        </p:pic>
+        <p:pic>
+          <p:nvPicPr>
+            <p:cNvPr id="10" name="Picture 9">
+              <a:extLst>
+                <a:ext uri="{FF2B5EF4-FFF2-40B4-BE49-F238E27FC236}">
+                  <a16:creationId xmlns:a16="http://schemas.microsoft.com/office/drawing/2014/main" id="{4BD3086A-BE8C-0E18-035D-7ECD99231354}"/>
+                </a:ext>
+              </a:extLst>
+            </p:cNvPr>
+            <p:cNvPicPr>
+              <a:picLocks noChangeAspect="1"/>
+            </p:cNvPicPr>
+            <p:nvPr/>
+          </p:nvPicPr>
+          <p:blipFill>
+            <a:blip r:embed="rId2"/>
+            <a:srcRect l="8420" t="15536" r="67802" b="57535"/>
+            <a:stretch>
+              <a:fillRect/>
+            </a:stretch>
+          </p:blipFill>
+          <p:spPr>
+            <a:xfrm>
+              <a:off x="5568191" y="3947021"/>
+              <a:ext cx="2035444" cy="2220575"/>
+            </a:xfrm>
+            <a:prstGeom prst="rect">
+              <a:avLst/>
+            </a:prstGeom>
+          </p:spPr>
+        </p:pic>
+      </p:grpSp>
+    </p:spTree>
+    <p:extLst>
+      <p:ext uri="{BB962C8B-B14F-4D97-AF65-F5344CB8AC3E}">
+        <p14:creationId xmlns:p14="http://schemas.microsoft.com/office/powerpoint/2010/main" val="4165833728"/>
+      </p:ext>
+    </p:extLst>
+  </p:cSld>
+  <p:clrMapOvr>
+    <a:masterClrMapping/>
+  </p:clrMapOvr>
+</p:sld>
+</file>
+
+<file path=ppt/slides/slide9.xml><?xml version="1.0" encoding="utf-8"?>
+<p:sld xmlns:a="http://schemas.openxmlformats.org/drawingml/2006/main" xmlns:r="http://schemas.openxmlformats.org/officeDocument/2006/relationships" xmlns:p="http://schemas.openxmlformats.org/presentationml/2006/main">
+  <p:cSld>
+    <p:spTree>
+      <p:nvGrpSpPr>
+        <p:cNvPr id="1" name="">
+          <a:extLst>
+            <a:ext uri="{FF2B5EF4-FFF2-40B4-BE49-F238E27FC236}">
+              <a16:creationId xmlns:a16="http://schemas.microsoft.com/office/drawing/2014/main" id="{6D57EE8C-6D00-EA1D-2A08-BD80AE6AB0A3}"/>
+            </a:ext>
+          </a:extLst>
+        </p:cNvPr>
+        <p:cNvGrpSpPr/>
+        <p:nvPr/>
+      </p:nvGrpSpPr>
+      <p:grpSpPr>
+        <a:xfrm>
+          <a:off x="0" y="0"/>
+          <a:ext cx="0" cy="0"/>
+          <a:chOff x="0" y="0"/>
+          <a:chExt cx="0" cy="0"/>
+        </a:xfrm>
+      </p:grpSpPr>
+      <p:sp>
+        <p:nvSpPr>
+          <p:cNvPr id="2" name="タイトル 1">
+            <a:extLst>
+              <a:ext uri="{FF2B5EF4-FFF2-40B4-BE49-F238E27FC236}">
+                <a16:creationId xmlns:a16="http://schemas.microsoft.com/office/drawing/2014/main" id="{763DED3A-7966-36B2-69BD-6400A23E35B7}"/>
+              </a:ext>
+            </a:extLst>
+          </p:cNvPr>
+          <p:cNvSpPr>
+            <a:spLocks noGrp="1"/>
+          </p:cNvSpPr>
+          <p:nvPr>
+            <p:ph type="title"/>
+          </p:nvPr>
+        </p:nvSpPr>
+        <p:spPr>
+          <a:xfrm>
+            <a:off x="803382" y="136524"/>
+            <a:ext cx="10369152" cy="442763"/>
+          </a:xfrm>
+        </p:spPr>
+        <p:txBody>
+          <a:bodyPr/>
+          <a:lstStyle/>
+          <a:p>
+            <a:r>
+              <a:rPr kumimoji="1" lang="en-US" altLang="ja-JP" sz="4000" b="1" i="1" dirty="0"/>
+              <a:t>System Capabilities</a:t>
+            </a:r>
+            <a:endParaRPr kumimoji="1" lang="ja-JP" altLang="en-US" sz="4000" b="1" i="1" dirty="0"/>
+          </a:p>
+        </p:txBody>
+      </p:sp>
+      <p:sp>
+        <p:nvSpPr>
+          <p:cNvPr id="3" name="スライド番号プレースホルダー 2">
+            <a:extLst>
+              <a:ext uri="{FF2B5EF4-FFF2-40B4-BE49-F238E27FC236}">
+                <a16:creationId xmlns:a16="http://schemas.microsoft.com/office/drawing/2014/main" id="{6F6C11EB-9876-D325-E72B-E9380EDA4F8A}"/>
+              </a:ext>
+            </a:extLst>
+          </p:cNvPr>
+          <p:cNvSpPr>
+            <a:spLocks noGrp="1"/>
+          </p:cNvSpPr>
+          <p:nvPr>
+            <p:ph type="sldNum" sz="quarter" idx="12"/>
+          </p:nvPr>
+        </p:nvSpPr>
+        <p:spPr/>
+        <p:txBody>
+          <a:bodyPr/>
+          <a:lstStyle/>
+          <a:p>
+            <a:fld id="{1E188E5C-A572-468D-8598-CE214D70D8BB}" type="slidenum">
+              <a:rPr kumimoji="1" lang="ja-JP" altLang="en-US" smtClean="0"/>
+              <a:pPr/>
+              <a:t>9</a:t>
+            </a:fld>
+            <a:endParaRPr kumimoji="1" lang="ja-JP" altLang="en-US" dirty="0"/>
+          </a:p>
+        </p:txBody>
+      </p:sp>
+      <p:sp>
+        <p:nvSpPr>
+          <p:cNvPr id="5" name="TextBox 4">
+            <a:extLst>
+              <a:ext uri="{FF2B5EF4-FFF2-40B4-BE49-F238E27FC236}">
+                <a16:creationId xmlns:a16="http://schemas.microsoft.com/office/drawing/2014/main" id="{9A846FF8-86D3-DA39-0AD3-5C560CDF3176}"/>
+              </a:ext>
+            </a:extLst>
+          </p:cNvPr>
+          <p:cNvSpPr txBox="1"/>
+          <p:nvPr/>
+        </p:nvSpPr>
+        <p:spPr>
+          <a:xfrm>
+            <a:off x="0" y="1480663"/>
+            <a:ext cx="7211079" cy="5632311"/>
+          </a:xfrm>
+          <a:prstGeom prst="rect">
+            <a:avLst/>
+          </a:prstGeom>
+          <a:noFill/>
+        </p:spPr>
+        <p:txBody>
+          <a:bodyPr wrap="square" rtlCol="0">
+            <a:spAutoFit/>
+          </a:bodyPr>
+          <a:lstStyle/>
+          <a:p>
+            <a:r>
+              <a:rPr lang="en-US" dirty="0"/>
+              <a:t>What Our System Can Detect During Active Weather:</a:t>
+            </a:r>
+          </a:p>
+          <a:p>
+            <a:r>
+              <a:rPr lang="en-US" dirty="0"/>
+              <a:t> </a:t>
+            </a:r>
+          </a:p>
+          <a:p>
+            <a:pPr marL="285750" indent="-285750">
+              <a:buFont typeface="Wingdings" panose="05000000000000000000" pitchFamily="2" charset="2"/>
+              <a:buChar char="ü"/>
+            </a:pPr>
+            <a:r>
+              <a:rPr lang="en-US" dirty="0"/>
+              <a:t>Avoidance patterns by wind type </a:t>
+            </a:r>
+          </a:p>
+          <a:p>
+            <a:pPr marL="285750" indent="-285750">
+              <a:buFont typeface="Wingdings" panose="05000000000000000000" pitchFamily="2" charset="2"/>
+              <a:buChar char="ü"/>
+            </a:pPr>
+            <a:r>
+              <a:rPr lang="en-US" dirty="0"/>
+              <a:t>Critical decision zones (40-60km) </a:t>
+            </a:r>
+          </a:p>
+          <a:p>
+            <a:pPr marL="285750" indent="-285750">
+              <a:buFont typeface="Wingdings" panose="05000000000000000000" pitchFamily="2" charset="2"/>
+              <a:buChar char="ü"/>
+            </a:pPr>
+            <a:r>
+              <a:rPr lang="en-US" dirty="0"/>
+              <a:t>Altitude-dependent behavior </a:t>
+            </a:r>
+          </a:p>
+          <a:p>
+            <a:pPr marL="285750" indent="-285750">
+              <a:buFont typeface="Wingdings" panose="05000000000000000000" pitchFamily="2" charset="2"/>
+              <a:buChar char="ü"/>
+            </a:pPr>
+            <a:r>
+              <a:rPr lang="en-US" dirty="0"/>
+              <a:t>Real-time deviations</a:t>
+            </a:r>
+          </a:p>
+          <a:p>
+            <a:pPr marL="285750" indent="-285750">
+              <a:buFont typeface="Wingdings" panose="05000000000000000000" pitchFamily="2" charset="2"/>
+              <a:buChar char="ü"/>
+            </a:pPr>
+            <a:endParaRPr lang="en-US" dirty="0"/>
+          </a:p>
+          <a:p>
+            <a:r>
+              <a:rPr lang="en-US" dirty="0"/>
+              <a:t>Quality Metrics:</a:t>
+            </a:r>
+          </a:p>
+          <a:p>
+            <a:endParaRPr lang="en-US" dirty="0"/>
+          </a:p>
+          <a:p>
+            <a:pPr marL="285750" indent="-285750">
+              <a:buFont typeface="Arial" panose="020B0604020202020204" pitchFamily="34" charset="0"/>
+              <a:buChar char="•"/>
+            </a:pPr>
+            <a:r>
+              <a:rPr lang="en-US" dirty="0"/>
+              <a:t>Confidence:  93%  Average</a:t>
+            </a:r>
+          </a:p>
+          <a:p>
+            <a:pPr marL="285750" indent="-285750">
+              <a:buFont typeface="Arial" panose="020B0604020202020204" pitchFamily="34" charset="0"/>
+              <a:buChar char="•"/>
+            </a:pPr>
+            <a:r>
+              <a:rPr lang="en-US" dirty="0"/>
+              <a:t>Quality: 14/15 (93%)</a:t>
+            </a:r>
+          </a:p>
+          <a:p>
+            <a:pPr marL="285750" indent="-285750">
+              <a:buFont typeface="Arial" panose="020B0604020202020204" pitchFamily="34" charset="0"/>
+              <a:buChar char="•"/>
+            </a:pPr>
+            <a:r>
+              <a:rPr lang="en-US" dirty="0"/>
+              <a:t>Data Age: 2 minutes </a:t>
+            </a:r>
+          </a:p>
+          <a:p>
+            <a:pPr marL="285750" indent="-285750">
+              <a:buFont typeface="Arial" panose="020B0604020202020204" pitchFamily="34" charset="0"/>
+              <a:buChar char="•"/>
+            </a:pPr>
+            <a:endParaRPr lang="en-US" dirty="0"/>
+          </a:p>
+          <a:p>
+            <a:r>
+              <a:rPr lang="en-US" dirty="0"/>
+              <a:t>Altitude Distribution:</a:t>
+            </a:r>
+          </a:p>
+          <a:p>
+            <a:endParaRPr lang="en-US" dirty="0"/>
+          </a:p>
+          <a:p>
+            <a:pPr marL="285750" indent="-285750">
+              <a:buFont typeface="Arial" panose="020B0604020202020204" pitchFamily="34" charset="0"/>
+              <a:buChar char="•"/>
+            </a:pPr>
+            <a:r>
+              <a:rPr lang="en-US" dirty="0"/>
+              <a:t>0 - 3,000 ft : 5 flights</a:t>
+            </a:r>
+          </a:p>
+          <a:p>
+            <a:pPr marL="285750" indent="-285750">
+              <a:buFont typeface="Arial" panose="020B0604020202020204" pitchFamily="34" charset="0"/>
+              <a:buChar char="•"/>
+            </a:pPr>
+            <a:r>
+              <a:rPr lang="en-US" dirty="0"/>
+              <a:t>3,000 - 7,000 ft : 7 flights</a:t>
+            </a:r>
+          </a:p>
+          <a:p>
+            <a:pPr marL="285750" indent="-285750">
+              <a:buFont typeface="Arial" panose="020B0604020202020204" pitchFamily="34" charset="0"/>
+              <a:buChar char="•"/>
+            </a:pPr>
+            <a:r>
+              <a:rPr lang="en-US" dirty="0"/>
+              <a:t>7,000 - 10,000 ft : 3 flights</a:t>
+            </a:r>
+          </a:p>
+          <a:p>
+            <a:pPr marL="285750" indent="-285750">
+              <a:buFont typeface="Wingdings" panose="05000000000000000000" pitchFamily="2" charset="2"/>
+              <a:buChar char="ü"/>
+            </a:pPr>
+            <a:endParaRPr lang="en-US" dirty="0"/>
+          </a:p>
+          <a:p>
+            <a:pPr marL="285750" indent="-285750">
+              <a:buFont typeface="Wingdings" panose="05000000000000000000" pitchFamily="2" charset="2"/>
+              <a:buChar char="ü"/>
+            </a:pPr>
+            <a:endParaRPr lang="en-US" dirty="0"/>
+          </a:p>
+        </p:txBody>
+      </p:sp>
+    </p:spTree>
+    <p:extLst>
+      <p:ext uri="{BB962C8B-B14F-4D97-AF65-F5344CB8AC3E}">
+        <p14:creationId xmlns:p14="http://schemas.microsoft.com/office/powerpoint/2010/main" val="3432334853"/>
       </p:ext>
     </p:extLst>
   </p:cSld>
@@ -5998,110 +8409,16 @@
         <a:srgbClr val="96607D"/>
       </a:folHlink>
     </a:clrScheme>
-    <a:fontScheme name="Office">
+    <a:fontScheme name="PresentWaseda">
       <a:majorFont>
-        <a:latin typeface="游ゴシック Light" panose="02110004020202020204"/>
+        <a:latin typeface="Montserrat"/>
         <a:ea typeface=""/>
         <a:cs typeface=""/>
-        <a:font script="Jpan" typeface="游ゴシック Light"/>
-        <a:font script="Hang" typeface="맑은 고딕"/>
-        <a:font script="Hans" typeface="等线 Light"/>
-        <a:font script="Hant" typeface="新細明體"/>
-        <a:font script="Arab" typeface="Times New Roman"/>
-        <a:font script="Hebr" typeface="Times New Roman"/>
-        <a:font script="Thai" typeface="Angsana New"/>
-        <a:font script="Ethi" typeface="Nyala"/>
-        <a:font script="Beng" typeface="Vrinda"/>
-        <a:font script="Gujr" typeface="Shruti"/>
-        <a:font script="Khmr" typeface="MoolBoran"/>
-        <a:font script="Knda" typeface="Tunga"/>
-        <a:font script="Guru" typeface="Raavi"/>
-        <a:font script="Cans" typeface="Euphemia"/>
-        <a:font script="Cher" typeface="Plantagenet Cherokee"/>
-        <a:font script="Yiii" typeface="Microsoft Yi Baiti"/>
-        <a:font script="Tibt" typeface="Microsoft Himalaya"/>
-        <a:font script="Thaa" typeface="MV Boli"/>
-        <a:font script="Deva" typeface="Mangal"/>
-        <a:font script="Telu" typeface="Gautami"/>
-        <a:font script="Taml" typeface="Latha"/>
-        <a:font script="Syrc" typeface="Estrangelo Edessa"/>
-        <a:font script="Orya" typeface="Kalinga"/>
-        <a:font script="Mlym" typeface="Kartika"/>
-        <a:font script="Laoo" typeface="DokChampa"/>
-        <a:font script="Sinh" typeface="Iskoola Pota"/>
-        <a:font script="Mong" typeface="Mongolian Baiti"/>
-        <a:font script="Viet" typeface="Times New Roman"/>
-        <a:font script="Uigh" typeface="Microsoft Uighur"/>
-        <a:font script="Geor" typeface="Sylfaen"/>
-        <a:font script="Armn" typeface="Arial"/>
-        <a:font script="Bugi" typeface="Leelawadee UI"/>
-        <a:font script="Bopo" typeface="Microsoft JhengHei"/>
-        <a:font script="Java" typeface="Javanese Text"/>
-        <a:font script="Lisu" typeface="Segoe UI"/>
-        <a:font script="Mymr" typeface="Myanmar Text"/>
-        <a:font script="Nkoo" typeface="Ebrima"/>
-        <a:font script="Olck" typeface="Nirmala UI"/>
-        <a:font script="Osma" typeface="Ebrima"/>
-        <a:font script="Phag" typeface="Phagspa"/>
-        <a:font script="Syrn" typeface="Estrangelo Edessa"/>
-        <a:font script="Syrj" typeface="Estrangelo Edessa"/>
-        <a:font script="Syre" typeface="Estrangelo Edessa"/>
-        <a:font script="Sora" typeface="Nirmala UI"/>
-        <a:font script="Tale" typeface="Microsoft Tai Le"/>
-        <a:font script="Talu" typeface="Microsoft New Tai Lue"/>
-        <a:font script="Tfng" typeface="Ebrima"/>
       </a:majorFont>
       <a:minorFont>
-        <a:latin typeface="游ゴシック" panose="02110004020202020204"/>
+        <a:latin typeface="Open Sans"/>
         <a:ea typeface=""/>
         <a:cs typeface=""/>
-        <a:font script="Jpan" typeface="游ゴシック"/>
-        <a:font script="Hang" typeface="맑은 고딕"/>
-        <a:font script="Hans" typeface="等线"/>
-        <a:font script="Hant" typeface="新細明體"/>
-        <a:font script="Arab" typeface="Arial"/>
-        <a:font script="Hebr" typeface="Arial"/>
-        <a:font script="Thai" typeface="Cordia New"/>
-        <a:font script="Ethi" typeface="Nyala"/>
-        <a:font script="Beng" typeface="Vrinda"/>
-        <a:font script="Gujr" typeface="Shruti"/>
-        <a:font script="Khmr" typeface="DaunPenh"/>
-        <a:font script="Knda" typeface="Tunga"/>
-        <a:font script="Guru" typeface="Raavi"/>
-        <a:font script="Cans" typeface="Euphemia"/>
-        <a:font script="Cher" typeface="Plantagenet Cherokee"/>
-        <a:font script="Yiii" typeface="Microsoft Yi Baiti"/>
-        <a:font script="Tibt" typeface="Microsoft Himalaya"/>
-        <a:font script="Thaa" typeface="MV Boli"/>
-        <a:font script="Deva" typeface="Mangal"/>
-        <a:font script="Telu" typeface="Gautami"/>
-        <a:font script="Taml" typeface="Latha"/>
-        <a:font script="Syrc" typeface="Estrangelo Edessa"/>
-        <a:font script="Orya" typeface="Kalinga"/>
-        <a:font script="Mlym" typeface="Kartika"/>
-        <a:font script="Laoo" typeface="DokChampa"/>
-        <a:font script="Sinh" typeface="Iskoola Pota"/>
-        <a:font script="Mong" typeface="Mongolian Baiti"/>
-        <a:font script="Viet" typeface="Arial"/>
-        <a:font script="Uigh" typeface="Microsoft Uighur"/>
-        <a:font script="Geor" typeface="Sylfaen"/>
-        <a:font script="Armn" typeface="Arial"/>
-        <a:font script="Bugi" typeface="Leelawadee UI"/>
-        <a:font script="Bopo" typeface="Microsoft JhengHei"/>
-        <a:font script="Java" typeface="Javanese Text"/>
-        <a:font script="Lisu" typeface="Segoe UI"/>
-        <a:font script="Mymr" typeface="Myanmar Text"/>
-        <a:font script="Nkoo" typeface="Ebrima"/>
-        <a:font script="Olck" typeface="Nirmala UI"/>
-        <a:font script="Osma" typeface="Ebrima"/>
-        <a:font script="Phag" typeface="Phagspa"/>
-        <a:font script="Syrn" typeface="Estrangelo Edessa"/>
-        <a:font script="Syrj" typeface="Estrangelo Edessa"/>
-        <a:font script="Syre" typeface="Estrangelo Edessa"/>
-        <a:font script="Sora" typeface="Nirmala UI"/>
-        <a:font script="Tale" typeface="Microsoft Tai Le"/>
-        <a:font script="Talu" typeface="Microsoft New Tai Lue"/>
-        <a:font script="Tfng" typeface="Ebrima"/>
       </a:minorFont>
     </a:fontScheme>
     <a:fmtScheme name="Office">
